--- a/Fianl/final.pptx
+++ b/Fianl/final.pptx
@@ -5,7 +5,7 @@
     <p:sldMasterId id="2147483660" r:id="rId1"/>
   </p:sldMasterIdLst>
   <p:notesMasterIdLst>
-    <p:notesMasterId r:id="rId9"/>
+    <p:notesMasterId r:id="rId23"/>
   </p:notesMasterIdLst>
   <p:sldIdLst>
     <p:sldId id="256" r:id="rId2"/>
@@ -15,6 +15,20 @@
     <p:sldId id="260" r:id="rId6"/>
     <p:sldId id="261" r:id="rId7"/>
     <p:sldId id="262" r:id="rId8"/>
+    <p:sldId id="265" r:id="rId9"/>
+    <p:sldId id="266" r:id="rId10"/>
+    <p:sldId id="267" r:id="rId11"/>
+    <p:sldId id="268" r:id="rId12"/>
+    <p:sldId id="270" r:id="rId13"/>
+    <p:sldId id="271" r:id="rId14"/>
+    <p:sldId id="269" r:id="rId15"/>
+    <p:sldId id="272" r:id="rId16"/>
+    <p:sldId id="273" r:id="rId17"/>
+    <p:sldId id="274" r:id="rId18"/>
+    <p:sldId id="275" r:id="rId19"/>
+    <p:sldId id="276" r:id="rId20"/>
+    <p:sldId id="263" r:id="rId21"/>
+    <p:sldId id="264" r:id="rId22"/>
   </p:sldIdLst>
   <p:sldSz cx="12192000" cy="6858000"/>
   <p:notesSz cx="6858000" cy="9144000"/>
@@ -198,6 +212,7 @@
           <a:p>
             <a:fld id="{65D548AF-E1B2-4A6B-8A9F-AD5597198A6D}" type="datetimeFigureOut">
               <a:rPr lang="zh-TW" altLang="en-US" smtClean="0"/>
+              <a:pPr/>
               <a:t>2014/6/19</a:t>
             </a:fld>
             <a:endParaRPr lang="zh-TW" altLang="en-US"/>
@@ -357,6 +372,7 @@
           <a:p>
             <a:fld id="{31C26C80-2DA1-401C-B94E-95C91A5F8FA0}" type="slidenum">
               <a:rPr lang="zh-TW" altLang="en-US" smtClean="0"/>
+              <a:pPr/>
               <a:t>‹#›</a:t>
             </a:fld>
             <a:endParaRPr lang="zh-TW" altLang="en-US"/>
@@ -366,7 +382,7 @@
     </p:spTree>
     <p:extLst>
       <p:ext uri="{BB962C8B-B14F-4D97-AF65-F5344CB8AC3E}">
-        <p14:creationId xmlns:p14="http://schemas.microsoft.com/office/powerpoint/2010/main" val="4091241006"/>
+        <p14:creationId xmlns:p14="http://schemas.microsoft.com/office/powerpoint/2010/main" xmlns="" val="4091241006"/>
       </p:ext>
     </p:extLst>
   </p:cSld>
@@ -531,6 +547,7 @@
           <a:p>
             <a:fld id="{31C26C80-2DA1-401C-B94E-95C91A5F8FA0}" type="slidenum">
               <a:rPr lang="zh-TW" altLang="en-US" smtClean="0"/>
+              <a:pPr/>
               <a:t>1</a:t>
             </a:fld>
             <a:endParaRPr lang="zh-TW" altLang="en-US"/>
@@ -540,7 +557,7 @@
     </p:spTree>
     <p:extLst>
       <p:ext uri="{BB962C8B-B14F-4D97-AF65-F5344CB8AC3E}">
-        <p14:creationId xmlns:p14="http://schemas.microsoft.com/office/powerpoint/2010/main" val="2093165498"/>
+        <p14:creationId xmlns:p14="http://schemas.microsoft.com/office/powerpoint/2010/main" xmlns="" val="2093165498"/>
       </p:ext>
     </p:extLst>
   </p:cSld>
@@ -615,6 +632,7 @@
           <a:p>
             <a:fld id="{31C26C80-2DA1-401C-B94E-95C91A5F8FA0}" type="slidenum">
               <a:rPr lang="zh-TW" altLang="en-US" smtClean="0"/>
+              <a:pPr/>
               <a:t>2</a:t>
             </a:fld>
             <a:endParaRPr lang="zh-TW" altLang="en-US"/>
@@ -624,7 +642,7 @@
     </p:spTree>
     <p:extLst>
       <p:ext uri="{BB962C8B-B14F-4D97-AF65-F5344CB8AC3E}">
-        <p14:creationId xmlns:p14="http://schemas.microsoft.com/office/powerpoint/2010/main" val="335083135"/>
+        <p14:creationId xmlns:p14="http://schemas.microsoft.com/office/powerpoint/2010/main" xmlns="" val="335083135"/>
       </p:ext>
     </p:extLst>
   </p:cSld>
@@ -722,6 +740,7 @@
           <a:p>
             <a:fld id="{31C26C80-2DA1-401C-B94E-95C91A5F8FA0}" type="slidenum">
               <a:rPr lang="zh-TW" altLang="en-US" smtClean="0"/>
+              <a:pPr/>
               <a:t>3</a:t>
             </a:fld>
             <a:endParaRPr lang="zh-TW" altLang="en-US"/>
@@ -731,9 +750,394 @@
     </p:spTree>
     <p:extLst>
       <p:ext uri="{BB962C8B-B14F-4D97-AF65-F5344CB8AC3E}">
-        <p14:creationId xmlns:p14="http://schemas.microsoft.com/office/powerpoint/2010/main" val="755318219"/>
+        <p14:creationId xmlns:p14="http://schemas.microsoft.com/office/powerpoint/2010/main" xmlns="" val="755318219"/>
       </p:ext>
     </p:extLst>
+  </p:cSld>
+  <p:clrMapOvr>
+    <a:masterClrMapping/>
+  </p:clrMapOvr>
+</p:notes>
+</file>
+
+<file path=ppt/notesSlides/notesSlide4.xml><?xml version="1.0" encoding="utf-8"?>
+<p:notes xmlns:a="http://schemas.openxmlformats.org/drawingml/2006/main" xmlns:r="http://schemas.openxmlformats.org/officeDocument/2006/relationships" xmlns:p="http://schemas.openxmlformats.org/presentationml/2006/main">
+  <p:cSld>
+    <p:spTree>
+      <p:nvGrpSpPr>
+        <p:cNvPr id="1" name=""/>
+        <p:cNvGrpSpPr/>
+        <p:nvPr/>
+      </p:nvGrpSpPr>
+      <p:grpSpPr>
+        <a:xfrm>
+          <a:off x="0" y="0"/>
+          <a:ext cx="0" cy="0"/>
+          <a:chOff x="0" y="0"/>
+          <a:chExt cx="0" cy="0"/>
+        </a:xfrm>
+      </p:grpSpPr>
+      <p:sp>
+        <p:nvSpPr>
+          <p:cNvPr id="2" name="投影片圖像版面配置區 1"/>
+          <p:cNvSpPr>
+            <a:spLocks noGrp="1" noRot="1" noChangeAspect="1"/>
+          </p:cNvSpPr>
+          <p:nvPr>
+            <p:ph type="sldImg"/>
+          </p:nvPr>
+        </p:nvSpPr>
+        <p:spPr/>
+      </p:sp>
+      <p:sp>
+        <p:nvSpPr>
+          <p:cNvPr id="3" name="備忘稿版面配置區 2"/>
+          <p:cNvSpPr>
+            <a:spLocks noGrp="1"/>
+          </p:cNvSpPr>
+          <p:nvPr>
+            <p:ph type="body" idx="1"/>
+          </p:nvPr>
+        </p:nvSpPr>
+        <p:spPr/>
+        <p:txBody>
+          <a:bodyPr>
+            <a:normAutofit/>
+          </a:bodyPr>
+          <a:lstStyle/>
+          <a:p>
+            <a:r>
+              <a:rPr lang="zh-TW" altLang="en-US" sz="1200" b="0" i="0" kern="1200" smtClean="0">
+                <a:solidFill>
+                  <a:schemeClr val="tx1"/>
+                </a:solidFill>
+                <a:latin typeface="+mn-lt"/>
+                <a:ea typeface="+mn-ea"/>
+                <a:cs typeface="+mn-cs"/>
+              </a:rPr>
+              <a:t>開發出 </a:t>
+            </a:r>
+            <a:r>
+              <a:rPr lang="en-US" altLang="zh-TW" sz="1200" b="0" i="0" u="none" strike="noStrike" kern="1200" smtClean="0">
+                <a:solidFill>
+                  <a:schemeClr val="tx1"/>
+                </a:solidFill>
+                <a:latin typeface="+mn-lt"/>
+                <a:ea typeface="+mn-ea"/>
+                <a:cs typeface="+mn-cs"/>
+                <a:hlinkClick r:id="rId3"/>
+              </a:rPr>
+              <a:t>readability</a:t>
+            </a:r>
+            <a:r>
+              <a:rPr lang="en-US" altLang="zh-TW" sz="1200" b="0" i="0" kern="1200" smtClean="0">
+                <a:solidFill>
+                  <a:schemeClr val="tx1"/>
+                </a:solidFill>
+                <a:latin typeface="+mn-lt"/>
+                <a:ea typeface="+mn-ea"/>
+                <a:cs typeface="+mn-cs"/>
+              </a:rPr>
+              <a:t> </a:t>
+            </a:r>
+            <a:r>
+              <a:rPr lang="zh-TW" altLang="en-US" sz="1200" b="0" i="0" kern="1200" smtClean="0">
+                <a:solidFill>
+                  <a:schemeClr val="tx1"/>
+                </a:solidFill>
+                <a:latin typeface="+mn-lt"/>
+                <a:ea typeface="+mn-ea"/>
+                <a:cs typeface="+mn-cs"/>
+              </a:rPr>
+              <a:t>的 </a:t>
+            </a:r>
+            <a:r>
+              <a:rPr lang="en-US" altLang="zh-TW" sz="1200" b="0" i="0" u="none" strike="noStrike" kern="1200" smtClean="0">
+                <a:solidFill>
+                  <a:schemeClr val="tx1"/>
+                </a:solidFill>
+                <a:latin typeface="+mn-lt"/>
+                <a:ea typeface="+mn-ea"/>
+                <a:cs typeface="+mn-cs"/>
+                <a:hlinkClick r:id="rId4"/>
+              </a:rPr>
+              <a:t>arc90</a:t>
+            </a:r>
+            <a:r>
+              <a:rPr lang="en-US" altLang="zh-TW" sz="1200" b="0" i="0" kern="1200" smtClean="0">
+                <a:solidFill>
+                  <a:schemeClr val="tx1"/>
+                </a:solidFill>
+                <a:latin typeface="+mn-lt"/>
+                <a:ea typeface="+mn-ea"/>
+                <a:cs typeface="+mn-cs"/>
+              </a:rPr>
+              <a:t> </a:t>
+            </a:r>
+            <a:r>
+              <a:rPr lang="zh-TW" altLang="en-US" sz="1200" b="0" i="0" kern="1200" smtClean="0">
+                <a:solidFill>
+                  <a:schemeClr val="tx1"/>
+                </a:solidFill>
+                <a:latin typeface="+mn-lt"/>
+                <a:ea typeface="+mn-ea"/>
+                <a:cs typeface="+mn-cs"/>
+              </a:rPr>
+              <a:t>公司除了提供 </a:t>
+            </a:r>
+            <a:r>
+              <a:rPr lang="en-US" altLang="zh-TW" sz="1200" b="0" i="0" kern="1200" smtClean="0">
+                <a:solidFill>
+                  <a:schemeClr val="tx1"/>
+                </a:solidFill>
+                <a:latin typeface="+mn-lt"/>
+                <a:ea typeface="+mn-ea"/>
+                <a:cs typeface="+mn-cs"/>
+              </a:rPr>
+              <a:t>API </a:t>
+            </a:r>
+            <a:r>
+              <a:rPr lang="zh-TW" altLang="en-US" sz="1200" b="0" i="0" kern="1200" smtClean="0">
+                <a:solidFill>
+                  <a:schemeClr val="tx1"/>
+                </a:solidFill>
+                <a:latin typeface="+mn-lt"/>
+                <a:ea typeface="+mn-ea"/>
+                <a:cs typeface="+mn-cs"/>
+              </a:rPr>
+              <a:t>之外也將其 </a:t>
+            </a:r>
+            <a:r>
+              <a:rPr lang="en-US" altLang="zh-TW" sz="1200" b="0" i="0" kern="1200" smtClean="0">
+                <a:solidFill>
+                  <a:schemeClr val="tx1"/>
+                </a:solidFill>
+                <a:latin typeface="+mn-lt"/>
+                <a:ea typeface="+mn-ea"/>
+                <a:cs typeface="+mn-cs"/>
+              </a:rPr>
+              <a:t>source code </a:t>
+            </a:r>
+            <a:r>
+              <a:rPr lang="zh-TW" altLang="en-US" sz="1200" b="0" i="0" u="none" strike="noStrike" kern="1200" smtClean="0">
+                <a:solidFill>
+                  <a:schemeClr val="tx1"/>
+                </a:solidFill>
+                <a:latin typeface="+mn-lt"/>
+                <a:ea typeface="+mn-ea"/>
+                <a:cs typeface="+mn-cs"/>
+                <a:hlinkClick r:id="rId5"/>
+              </a:rPr>
+              <a:t>開放源碼</a:t>
+            </a:r>
+            <a:r>
+              <a:rPr lang="en-US" altLang="zh-TW" sz="1200" b="0" i="0" kern="1200" smtClean="0">
+                <a:solidFill>
+                  <a:schemeClr val="tx1"/>
+                </a:solidFill>
+                <a:latin typeface="+mn-lt"/>
+                <a:ea typeface="+mn-ea"/>
+                <a:cs typeface="+mn-cs"/>
+              </a:rPr>
+              <a:t>, </a:t>
+            </a:r>
+            <a:r>
+              <a:rPr lang="zh-TW" altLang="en-US" sz="1200" b="0" i="0" kern="1200" smtClean="0">
+                <a:solidFill>
+                  <a:schemeClr val="tx1"/>
+                </a:solidFill>
+                <a:latin typeface="+mn-lt"/>
+                <a:ea typeface="+mn-ea"/>
+                <a:cs typeface="+mn-cs"/>
+              </a:rPr>
+              <a:t>目前更陸續被 </a:t>
+            </a:r>
+            <a:r>
+              <a:rPr lang="en-US" altLang="zh-TW" sz="1200" b="0" i="0" kern="1200" smtClean="0">
+                <a:solidFill>
+                  <a:schemeClr val="tx1"/>
+                </a:solidFill>
+                <a:latin typeface="+mn-lt"/>
+                <a:ea typeface="+mn-ea"/>
+                <a:cs typeface="+mn-cs"/>
+              </a:rPr>
+              <a:t>port </a:t>
+            </a:r>
+            <a:r>
+              <a:rPr lang="zh-TW" altLang="en-US" sz="1200" b="0" i="0" kern="1200" smtClean="0">
+                <a:solidFill>
+                  <a:schemeClr val="tx1"/>
+                </a:solidFill>
+                <a:latin typeface="+mn-lt"/>
+                <a:ea typeface="+mn-ea"/>
+                <a:cs typeface="+mn-cs"/>
+              </a:rPr>
+              <a:t>在許多不同的語言 </a:t>
+            </a:r>
+            <a:r>
+              <a:rPr lang="en-US" altLang="zh-TW" sz="1200" b="0" i="0" kern="1200" smtClean="0">
+                <a:solidFill>
+                  <a:schemeClr val="tx1"/>
+                </a:solidFill>
+                <a:latin typeface="+mn-lt"/>
+                <a:ea typeface="+mn-ea"/>
+                <a:cs typeface="+mn-cs"/>
+              </a:rPr>
+              <a:t>, </a:t>
+            </a:r>
+            <a:r>
+              <a:rPr lang="zh-TW" altLang="en-US" sz="1200" b="0" i="0" kern="1200" smtClean="0">
+                <a:solidFill>
+                  <a:schemeClr val="tx1"/>
+                </a:solidFill>
+                <a:latin typeface="+mn-lt"/>
+                <a:ea typeface="+mn-ea"/>
+                <a:cs typeface="+mn-cs"/>
+              </a:rPr>
+              <a:t>例如 </a:t>
+            </a:r>
+            <a:r>
+              <a:rPr lang="en-US" altLang="zh-TW" sz="1200" b="0" i="0" u="none" strike="noStrike" kern="1200" smtClean="0">
+                <a:solidFill>
+                  <a:schemeClr val="tx1"/>
+                </a:solidFill>
+                <a:latin typeface="+mn-lt"/>
+                <a:ea typeface="+mn-ea"/>
+                <a:cs typeface="+mn-cs"/>
+                <a:hlinkClick r:id="rId6"/>
+              </a:rPr>
+              <a:t>php</a:t>
+            </a:r>
+            <a:r>
+              <a:rPr lang="en-US" altLang="zh-TW" sz="1200" b="0" i="0" kern="1200" smtClean="0">
+                <a:solidFill>
+                  <a:schemeClr val="tx1"/>
+                </a:solidFill>
+                <a:latin typeface="+mn-lt"/>
+                <a:ea typeface="+mn-ea"/>
+                <a:cs typeface="+mn-cs"/>
+              </a:rPr>
+              <a:t> , </a:t>
+            </a:r>
+            <a:r>
+              <a:rPr lang="en-US" altLang="zh-TW" sz="1200" b="0" i="0" u="none" strike="noStrike" kern="1200" smtClean="0">
+                <a:solidFill>
+                  <a:schemeClr val="tx1"/>
+                </a:solidFill>
+                <a:latin typeface="+mn-lt"/>
+                <a:ea typeface="+mn-ea"/>
+                <a:cs typeface="+mn-cs"/>
+                <a:hlinkClick r:id="rId7"/>
+              </a:rPr>
+              <a:t>ruby</a:t>
+            </a:r>
+            <a:r>
+              <a:rPr lang="en-US" altLang="zh-TW" sz="1200" b="0" i="0" kern="1200" smtClean="0">
+                <a:solidFill>
+                  <a:schemeClr val="tx1"/>
+                </a:solidFill>
+                <a:latin typeface="+mn-lt"/>
+                <a:ea typeface="+mn-ea"/>
+                <a:cs typeface="+mn-cs"/>
+              </a:rPr>
+              <a:t> </a:t>
+            </a:r>
+            <a:r>
+              <a:rPr lang="zh-TW" altLang="en-US" sz="1200" b="0" i="0" kern="1200" smtClean="0">
+                <a:solidFill>
+                  <a:schemeClr val="tx1"/>
+                </a:solidFill>
+                <a:latin typeface="+mn-lt"/>
+                <a:ea typeface="+mn-ea"/>
+                <a:cs typeface="+mn-cs"/>
+              </a:rPr>
+              <a:t>與 </a:t>
+            </a:r>
+            <a:r>
+              <a:rPr lang="en-US" altLang="zh-TW" sz="1200" b="0" i="0" u="none" strike="noStrike" kern="1200" smtClean="0">
+                <a:solidFill>
+                  <a:schemeClr val="tx1"/>
+                </a:solidFill>
+                <a:latin typeface="+mn-lt"/>
+                <a:ea typeface="+mn-ea"/>
+                <a:cs typeface="+mn-cs"/>
+                <a:hlinkClick r:id="rId8"/>
+              </a:rPr>
+              <a:t>python</a:t>
+            </a:r>
+            <a:r>
+              <a:rPr lang="en-US" altLang="zh-TW" sz="1200" b="0" i="0" kern="1200" smtClean="0">
+                <a:solidFill>
+                  <a:schemeClr val="tx1"/>
+                </a:solidFill>
+                <a:latin typeface="+mn-lt"/>
+                <a:ea typeface="+mn-ea"/>
+                <a:cs typeface="+mn-cs"/>
+              </a:rPr>
+              <a:t> , java </a:t>
+            </a:r>
+            <a:r>
+              <a:rPr lang="zh-TW" altLang="en-US" sz="1200" b="0" i="0" kern="1200" smtClean="0">
+                <a:solidFill>
+                  <a:schemeClr val="tx1"/>
+                </a:solidFill>
+                <a:latin typeface="+mn-lt"/>
+                <a:ea typeface="+mn-ea"/>
+                <a:cs typeface="+mn-cs"/>
+              </a:rPr>
+              <a:t>等等版本 </a:t>
+            </a:r>
+            <a:r>
+              <a:rPr lang="en-US" altLang="zh-TW" sz="1200" b="0" i="0" kern="1200" smtClean="0">
+                <a:solidFill>
+                  <a:schemeClr val="tx1"/>
+                </a:solidFill>
+                <a:latin typeface="+mn-lt"/>
+                <a:ea typeface="+mn-ea"/>
+                <a:cs typeface="+mn-cs"/>
+              </a:rPr>
+              <a:t>, </a:t>
+            </a:r>
+            <a:r>
+              <a:rPr lang="zh-TW" altLang="en-US" sz="1200" b="0" i="0" kern="1200" smtClean="0">
+                <a:solidFill>
+                  <a:schemeClr val="tx1"/>
+                </a:solidFill>
+                <a:latin typeface="+mn-lt"/>
+                <a:ea typeface="+mn-ea"/>
+                <a:cs typeface="+mn-cs"/>
+              </a:rPr>
+              <a:t>讓使用者可以自行選擇適合的</a:t>
+            </a:r>
+            <a:endParaRPr lang="zh-TW" altLang="en-US"/>
+          </a:p>
+        </p:txBody>
+      </p:sp>
+      <p:sp>
+        <p:nvSpPr>
+          <p:cNvPr id="4" name="投影片編號版面配置區 3"/>
+          <p:cNvSpPr>
+            <a:spLocks noGrp="1"/>
+          </p:cNvSpPr>
+          <p:nvPr>
+            <p:ph type="sldNum" sz="quarter" idx="10"/>
+          </p:nvPr>
+        </p:nvSpPr>
+        <p:spPr/>
+        <p:txBody>
+          <a:bodyPr/>
+          <a:lstStyle/>
+          <a:p>
+            <a:fld id="{31C26C80-2DA1-401C-B94E-95C91A5F8FA0}" type="slidenum">
+              <a:rPr lang="zh-TW" altLang="en-US" smtClean="0"/>
+              <a:pPr/>
+              <a:t>7</a:t>
+            </a:fld>
+            <a:endParaRPr lang="zh-TW" altLang="en-US"/>
+          </a:p>
+        </p:txBody>
+      </p:sp>
+    </p:spTree>
   </p:cSld>
   <p:clrMapOvr>
     <a:masterClrMapping/>
@@ -967,6 +1371,7 @@
           <a:p>
             <a:fld id="{DF71831A-649C-432C-B23D-CA30B78B4443}" type="datetimeFigureOut">
               <a:rPr lang="zh-TW" altLang="en-US" smtClean="0"/>
+              <a:pPr/>
               <a:t>2014/6/19</a:t>
             </a:fld>
             <a:endParaRPr lang="zh-TW" altLang="en-US"/>
@@ -1009,6 +1414,7 @@
           <a:p>
             <a:fld id="{C4F803BC-7034-4036-B016-CE801AEECC90}" type="slidenum">
               <a:rPr lang="zh-TW" altLang="en-US" smtClean="0"/>
+              <a:pPr/>
               <a:t>‹#›</a:t>
             </a:fld>
             <a:endParaRPr lang="zh-TW" altLang="en-US"/>
@@ -1056,7 +1462,7 @@
     </p:spTree>
     <p:extLst>
       <p:ext uri="{BB962C8B-B14F-4D97-AF65-F5344CB8AC3E}">
-        <p14:creationId xmlns:p14="http://schemas.microsoft.com/office/powerpoint/2010/main" val="1938664869"/>
+        <p14:creationId xmlns:p14="http://schemas.microsoft.com/office/powerpoint/2010/main" xmlns="" val="1938664869"/>
       </p:ext>
     </p:extLst>
   </p:cSld>
@@ -1175,6 +1581,7 @@
           <a:p>
             <a:fld id="{DF71831A-649C-432C-B23D-CA30B78B4443}" type="datetimeFigureOut">
               <a:rPr lang="zh-TW" altLang="en-US" smtClean="0"/>
+              <a:pPr/>
               <a:t>2014/6/19</a:t>
             </a:fld>
             <a:endParaRPr lang="zh-TW" altLang="en-US"/>
@@ -1217,6 +1624,7 @@
           <a:p>
             <a:fld id="{C4F803BC-7034-4036-B016-CE801AEECC90}" type="slidenum">
               <a:rPr lang="zh-TW" altLang="en-US" smtClean="0"/>
+              <a:pPr/>
               <a:t>‹#›</a:t>
             </a:fld>
             <a:endParaRPr lang="zh-TW" altLang="en-US"/>
@@ -1226,7 +1634,7 @@
     </p:spTree>
     <p:extLst>
       <p:ext uri="{BB962C8B-B14F-4D97-AF65-F5344CB8AC3E}">
-        <p14:creationId xmlns:p14="http://schemas.microsoft.com/office/powerpoint/2010/main" val="3863599787"/>
+        <p14:creationId xmlns:p14="http://schemas.microsoft.com/office/powerpoint/2010/main" xmlns="" val="3863599787"/>
       </p:ext>
     </p:extLst>
   </p:cSld>
@@ -1431,6 +1839,7 @@
           <a:p>
             <a:fld id="{DF71831A-649C-432C-B23D-CA30B78B4443}" type="datetimeFigureOut">
               <a:rPr lang="zh-TW" altLang="en-US" smtClean="0"/>
+              <a:pPr/>
               <a:t>2014/6/19</a:t>
             </a:fld>
             <a:endParaRPr lang="zh-TW" altLang="en-US"/>
@@ -1473,6 +1882,7 @@
           <a:p>
             <a:fld id="{C4F803BC-7034-4036-B016-CE801AEECC90}" type="slidenum">
               <a:rPr lang="zh-TW" altLang="en-US" smtClean="0"/>
+              <a:pPr/>
               <a:t>‹#›</a:t>
             </a:fld>
             <a:endParaRPr lang="zh-TW" altLang="en-US"/>
@@ -1482,7 +1892,7 @@
     </p:spTree>
     <p:extLst>
       <p:ext uri="{BB962C8B-B14F-4D97-AF65-F5344CB8AC3E}">
-        <p14:creationId xmlns:p14="http://schemas.microsoft.com/office/powerpoint/2010/main" val="1900796750"/>
+        <p14:creationId xmlns:p14="http://schemas.microsoft.com/office/powerpoint/2010/main" xmlns="" val="1900796750"/>
       </p:ext>
     </p:extLst>
   </p:cSld>
@@ -1605,6 +2015,7 @@
           <a:p>
             <a:fld id="{DF71831A-649C-432C-B23D-CA30B78B4443}" type="datetimeFigureOut">
               <a:rPr lang="zh-TW" altLang="en-US" smtClean="0"/>
+              <a:pPr/>
               <a:t>2014/6/19</a:t>
             </a:fld>
             <a:endParaRPr lang="zh-TW" altLang="en-US"/>
@@ -1647,6 +2058,7 @@
           <a:p>
             <a:fld id="{C4F803BC-7034-4036-B016-CE801AEECC90}" type="slidenum">
               <a:rPr lang="zh-TW" altLang="en-US" smtClean="0"/>
+              <a:pPr/>
               <a:t>‹#›</a:t>
             </a:fld>
             <a:endParaRPr lang="zh-TW" altLang="en-US"/>
@@ -1656,7 +2068,7 @@
     </p:spTree>
     <p:extLst>
       <p:ext uri="{BB962C8B-B14F-4D97-AF65-F5344CB8AC3E}">
-        <p14:creationId xmlns:p14="http://schemas.microsoft.com/office/powerpoint/2010/main" val="1071298195"/>
+        <p14:creationId xmlns:p14="http://schemas.microsoft.com/office/powerpoint/2010/main" xmlns="" val="1071298195"/>
       </p:ext>
     </p:extLst>
   </p:cSld>
@@ -1948,6 +2360,7 @@
           <a:p>
             <a:fld id="{DF71831A-649C-432C-B23D-CA30B78B4443}" type="datetimeFigureOut">
               <a:rPr lang="zh-TW" altLang="en-US" smtClean="0"/>
+              <a:pPr/>
               <a:t>2014/6/19</a:t>
             </a:fld>
             <a:endParaRPr lang="zh-TW" altLang="en-US"/>
@@ -1990,6 +2403,7 @@
           <a:p>
             <a:fld id="{C4F803BC-7034-4036-B016-CE801AEECC90}" type="slidenum">
               <a:rPr lang="zh-TW" altLang="en-US" smtClean="0"/>
+              <a:pPr/>
               <a:t>‹#›</a:t>
             </a:fld>
             <a:endParaRPr lang="zh-TW" altLang="en-US"/>
@@ -2037,7 +2451,7 @@
     </p:spTree>
     <p:extLst>
       <p:ext uri="{BB962C8B-B14F-4D97-AF65-F5344CB8AC3E}">
-        <p14:creationId xmlns:p14="http://schemas.microsoft.com/office/powerpoint/2010/main" val="2590515872"/>
+        <p14:creationId xmlns:p14="http://schemas.microsoft.com/office/powerpoint/2010/main" xmlns="" val="2590515872"/>
       </p:ext>
     </p:extLst>
   </p:cSld>
@@ -2223,6 +2637,7 @@
           <a:p>
             <a:fld id="{DF71831A-649C-432C-B23D-CA30B78B4443}" type="datetimeFigureOut">
               <a:rPr lang="zh-TW" altLang="en-US" smtClean="0"/>
+              <a:pPr/>
               <a:t>2014/6/19</a:t>
             </a:fld>
             <a:endParaRPr lang="zh-TW" altLang="en-US"/>
@@ -2265,6 +2680,7 @@
           <a:p>
             <a:fld id="{C4F803BC-7034-4036-B016-CE801AEECC90}" type="slidenum">
               <a:rPr lang="zh-TW" altLang="en-US" smtClean="0"/>
+              <a:pPr/>
               <a:t>‹#›</a:t>
             </a:fld>
             <a:endParaRPr lang="zh-TW" altLang="en-US"/>
@@ -2274,7 +2690,7 @@
     </p:spTree>
     <p:extLst>
       <p:ext uri="{BB962C8B-B14F-4D97-AF65-F5344CB8AC3E}">
-        <p14:creationId xmlns:p14="http://schemas.microsoft.com/office/powerpoint/2010/main" val="604624843"/>
+        <p14:creationId xmlns:p14="http://schemas.microsoft.com/office/powerpoint/2010/main" xmlns="" val="604624843"/>
       </p:ext>
     </p:extLst>
   </p:cSld>
@@ -2602,6 +3018,7 @@
           <a:p>
             <a:fld id="{DF71831A-649C-432C-B23D-CA30B78B4443}" type="datetimeFigureOut">
               <a:rPr lang="zh-TW" altLang="en-US" smtClean="0"/>
+              <a:pPr/>
               <a:t>2014/6/19</a:t>
             </a:fld>
             <a:endParaRPr lang="zh-TW" altLang="en-US"/>
@@ -2644,6 +3061,7 @@
           <a:p>
             <a:fld id="{C4F803BC-7034-4036-B016-CE801AEECC90}" type="slidenum">
               <a:rPr lang="zh-TW" altLang="en-US" smtClean="0"/>
+              <a:pPr/>
               <a:t>‹#›</a:t>
             </a:fld>
             <a:endParaRPr lang="zh-TW" altLang="en-US"/>
@@ -2653,7 +3071,7 @@
     </p:spTree>
     <p:extLst>
       <p:ext uri="{BB962C8B-B14F-4D97-AF65-F5344CB8AC3E}">
-        <p14:creationId xmlns:p14="http://schemas.microsoft.com/office/powerpoint/2010/main" val="1582872569"/>
+        <p14:creationId xmlns:p14="http://schemas.microsoft.com/office/powerpoint/2010/main" xmlns="" val="1582872569"/>
       </p:ext>
     </p:extLst>
   </p:cSld>
@@ -2720,6 +3138,7 @@
           <a:p>
             <a:fld id="{DF71831A-649C-432C-B23D-CA30B78B4443}" type="datetimeFigureOut">
               <a:rPr lang="zh-TW" altLang="en-US" smtClean="0"/>
+              <a:pPr/>
               <a:t>2014/6/19</a:t>
             </a:fld>
             <a:endParaRPr lang="zh-TW" altLang="en-US"/>
@@ -2762,6 +3181,7 @@
           <a:p>
             <a:fld id="{C4F803BC-7034-4036-B016-CE801AEECC90}" type="slidenum">
               <a:rPr lang="zh-TW" altLang="en-US" smtClean="0"/>
+              <a:pPr/>
               <a:t>‹#›</a:t>
             </a:fld>
             <a:endParaRPr lang="zh-TW" altLang="en-US"/>
@@ -2771,7 +3191,7 @@
     </p:spTree>
     <p:extLst>
       <p:ext uri="{BB962C8B-B14F-4D97-AF65-F5344CB8AC3E}">
-        <p14:creationId xmlns:p14="http://schemas.microsoft.com/office/powerpoint/2010/main" val="41957346"/>
+        <p14:creationId xmlns:p14="http://schemas.microsoft.com/office/powerpoint/2010/main" xmlns="" val="41957346"/>
       </p:ext>
     </p:extLst>
   </p:cSld>
@@ -2891,6 +3311,7 @@
           <a:p>
             <a:fld id="{DF71831A-649C-432C-B23D-CA30B78B4443}" type="datetimeFigureOut">
               <a:rPr lang="zh-TW" altLang="en-US" smtClean="0"/>
+              <a:pPr/>
               <a:t>2014/6/19</a:t>
             </a:fld>
             <a:endParaRPr lang="zh-TW" altLang="en-US"/>
@@ -2941,6 +3362,7 @@
           <a:p>
             <a:fld id="{C4F803BC-7034-4036-B016-CE801AEECC90}" type="slidenum">
               <a:rPr lang="zh-TW" altLang="en-US" smtClean="0"/>
+              <a:pPr/>
               <a:t>‹#›</a:t>
             </a:fld>
             <a:endParaRPr lang="zh-TW" altLang="en-US"/>
@@ -2950,7 +3372,7 @@
     </p:spTree>
     <p:extLst>
       <p:ext uri="{BB962C8B-B14F-4D97-AF65-F5344CB8AC3E}">
-        <p14:creationId xmlns:p14="http://schemas.microsoft.com/office/powerpoint/2010/main" val="2659624146"/>
+        <p14:creationId xmlns:p14="http://schemas.microsoft.com/office/powerpoint/2010/main" xmlns="" val="2659624146"/>
       </p:ext>
     </p:extLst>
   </p:cSld>
@@ -3245,6 +3667,7 @@
           <a:p>
             <a:fld id="{DF71831A-649C-432C-B23D-CA30B78B4443}" type="datetimeFigureOut">
               <a:rPr lang="zh-TW" altLang="en-US" smtClean="0"/>
+              <a:pPr/>
               <a:t>2014/6/19</a:t>
             </a:fld>
             <a:endParaRPr lang="zh-TW" altLang="en-US"/>
@@ -3308,6 +3731,7 @@
           <a:p>
             <a:fld id="{C4F803BC-7034-4036-B016-CE801AEECC90}" type="slidenum">
               <a:rPr lang="zh-TW" altLang="en-US" smtClean="0"/>
+              <a:pPr/>
               <a:t>‹#›</a:t>
             </a:fld>
             <a:endParaRPr lang="zh-TW" altLang="en-US"/>
@@ -3317,7 +3741,7 @@
     </p:spTree>
     <p:extLst>
       <p:ext uri="{BB962C8B-B14F-4D97-AF65-F5344CB8AC3E}">
-        <p14:creationId xmlns:p14="http://schemas.microsoft.com/office/powerpoint/2010/main" val="4242510213"/>
+        <p14:creationId xmlns:p14="http://schemas.microsoft.com/office/powerpoint/2010/main" xmlns="" val="4242510213"/>
       </p:ext>
     </p:extLst>
   </p:cSld>
@@ -3474,7 +3898,7 @@
             <a:ext cx="12191985" cy="4915076"/>
           </a:xfrm>
           <a:blipFill>
-            <a:blip r:embed="rId2"/>
+            <a:blip r:embed="rId2" cstate="print"/>
             <a:stretch>
               <a:fillRect/>
             </a:stretch>
@@ -3627,6 +4051,7 @@
           <a:p>
             <a:fld id="{DF71831A-649C-432C-B23D-CA30B78B4443}" type="datetimeFigureOut">
               <a:rPr lang="zh-TW" altLang="en-US" smtClean="0"/>
+              <a:pPr/>
               <a:t>2014/6/19</a:t>
             </a:fld>
             <a:endParaRPr lang="zh-TW" altLang="en-US"/>
@@ -3669,6 +4094,7 @@
           <a:p>
             <a:fld id="{C4F803BC-7034-4036-B016-CE801AEECC90}" type="slidenum">
               <a:rPr lang="zh-TW" altLang="en-US" smtClean="0"/>
+              <a:pPr/>
               <a:t>‹#›</a:t>
             </a:fld>
             <a:endParaRPr lang="zh-TW" altLang="en-US"/>
@@ -3678,7 +4104,7 @@
     </p:spTree>
     <p:extLst>
       <p:ext uri="{BB962C8B-B14F-4D97-AF65-F5344CB8AC3E}">
-        <p14:creationId xmlns:p14="http://schemas.microsoft.com/office/powerpoint/2010/main" val="846243902"/>
+        <p14:creationId xmlns:p14="http://schemas.microsoft.com/office/powerpoint/2010/main" xmlns="" val="846243902"/>
       </p:ext>
     </p:extLst>
   </p:cSld>
@@ -3914,6 +4340,7 @@
           <a:p>
             <a:fld id="{DF71831A-649C-432C-B23D-CA30B78B4443}" type="datetimeFigureOut">
               <a:rPr lang="zh-TW" altLang="en-US" smtClean="0"/>
+              <a:pPr/>
               <a:t>2014/6/19</a:t>
             </a:fld>
             <a:endParaRPr lang="zh-TW" altLang="en-US"/>
@@ -3988,6 +4415,7 @@
           <a:p>
             <a:fld id="{C4F803BC-7034-4036-B016-CE801AEECC90}" type="slidenum">
               <a:rPr lang="zh-TW" altLang="en-US" smtClean="0"/>
+              <a:pPr/>
               <a:t>‹#›</a:t>
             </a:fld>
             <a:endParaRPr lang="zh-TW" altLang="en-US"/>
@@ -4035,7 +4463,7 @@
     </p:spTree>
     <p:extLst>
       <p:ext uri="{BB962C8B-B14F-4D97-AF65-F5344CB8AC3E}">
-        <p14:creationId xmlns:p14="http://schemas.microsoft.com/office/powerpoint/2010/main" val="2634546537"/>
+        <p14:creationId xmlns:p14="http://schemas.microsoft.com/office/powerpoint/2010/main" xmlns="" val="2634546537"/>
       </p:ext>
     </p:extLst>
   </p:cSld>
@@ -4487,7 +4915,7 @@
     </p:spTree>
     <p:extLst>
       <p:ext uri="{BB962C8B-B14F-4D97-AF65-F5344CB8AC3E}">
-        <p14:creationId xmlns:p14="http://schemas.microsoft.com/office/powerpoint/2010/main" val="2418074491"/>
+        <p14:creationId xmlns:p14="http://schemas.microsoft.com/office/powerpoint/2010/main" xmlns="" val="2418074491"/>
       </p:ext>
     </p:extLst>
   </p:cSld>
@@ -4501,6 +4929,1938 @@
       </p:par>
     </p:tnLst>
   </p:timing>
+</p:sld>
+</file>
+
+<file path=ppt/slides/slide10.xml><?xml version="1.0" encoding="utf-8"?>
+<p:sld xmlns:a="http://schemas.openxmlformats.org/drawingml/2006/main" xmlns:r="http://schemas.openxmlformats.org/officeDocument/2006/relationships" xmlns:p="http://schemas.openxmlformats.org/presentationml/2006/main">
+  <p:cSld>
+    <p:spTree>
+      <p:nvGrpSpPr>
+        <p:cNvPr id="1" name=""/>
+        <p:cNvGrpSpPr/>
+        <p:nvPr/>
+      </p:nvGrpSpPr>
+      <p:grpSpPr>
+        <a:xfrm>
+          <a:off x="0" y="0"/>
+          <a:ext cx="0" cy="0"/>
+          <a:chOff x="0" y="0"/>
+          <a:chExt cx="0" cy="0"/>
+        </a:xfrm>
+      </p:grpSpPr>
+      <p:sp>
+        <p:nvSpPr>
+          <p:cNvPr id="2" name="標題 1"/>
+          <p:cNvSpPr>
+            <a:spLocks noGrp="1"/>
+          </p:cNvSpPr>
+          <p:nvPr>
+            <p:ph type="title"/>
+          </p:nvPr>
+        </p:nvSpPr>
+        <p:spPr/>
+        <p:txBody>
+          <a:bodyPr/>
+          <a:lstStyle/>
+          <a:p>
+            <a:r>
+              <a:rPr lang="en-US" altLang="zh-TW" smtClean="0"/>
+              <a:t>Extract Content</a:t>
+            </a:r>
+            <a:endParaRPr lang="zh-TW" altLang="en-US"/>
+          </a:p>
+        </p:txBody>
+      </p:sp>
+      <p:sp>
+        <p:nvSpPr>
+          <p:cNvPr id="3" name="內容版面配置區 2"/>
+          <p:cNvSpPr>
+            <a:spLocks noGrp="1"/>
+          </p:cNvSpPr>
+          <p:nvPr>
+            <p:ph idx="1"/>
+          </p:nvPr>
+        </p:nvSpPr>
+        <p:spPr/>
+        <p:txBody>
+          <a:bodyPr/>
+          <a:lstStyle/>
+          <a:p>
+            <a:endParaRPr lang="en-US" altLang="zh-TW" smtClean="0"/>
+          </a:p>
+          <a:p>
+            <a:r>
+              <a:rPr lang="zh-TW" altLang="en-US" smtClean="0"/>
+              <a:t>前處理</a:t>
+            </a:r>
+            <a:endParaRPr lang="en-US" altLang="zh-TW" smtClean="0"/>
+          </a:p>
+          <a:p>
+            <a:r>
+              <a:rPr lang="zh-TW" altLang="en-US" smtClean="0"/>
+              <a:t>把</a:t>
+            </a:r>
+            <a:r>
+              <a:rPr lang="en-US" altLang="zh-TW" smtClean="0"/>
+              <a:t>id</a:t>
+            </a:r>
+            <a:r>
+              <a:rPr lang="zh-TW" altLang="en-US" smtClean="0"/>
+              <a:t>或</a:t>
+            </a:r>
+            <a:r>
+              <a:rPr lang="en-US" altLang="zh-TW" smtClean="0"/>
+              <a:t>classname</a:t>
+            </a:r>
+            <a:r>
+              <a:rPr lang="zh-TW" altLang="en-US" smtClean="0"/>
+              <a:t>符合</a:t>
+            </a:r>
+            <a:r>
+              <a:rPr lang="en-US" altLang="zh-TW" smtClean="0"/>
+              <a:t>unlikelyCandidatesRe</a:t>
+            </a:r>
+          </a:p>
+          <a:p>
+            <a:r>
+              <a:rPr lang="zh-TW" altLang="en-US" smtClean="0"/>
+              <a:t>但</a:t>
+            </a:r>
+            <a:r>
+              <a:rPr lang="zh-TW" altLang="en-US" smtClean="0"/>
+              <a:t>不符合</a:t>
+            </a:r>
+            <a:r>
+              <a:rPr lang="en-US" altLang="zh-TW" smtClean="0"/>
+              <a:t>okMaybeItsACandidateRe</a:t>
+            </a:r>
+            <a:r>
+              <a:rPr lang="zh-TW" altLang="en-US" smtClean="0"/>
+              <a:t>的</a:t>
+            </a:r>
+            <a:r>
+              <a:rPr lang="en-US" altLang="zh-TW" smtClean="0"/>
+              <a:t>node</a:t>
+            </a:r>
+            <a:r>
+              <a:rPr lang="zh-TW" altLang="en-US" smtClean="0"/>
+              <a:t>刪除</a:t>
+            </a:r>
+            <a:endParaRPr lang="en-US" altLang="zh-TW" smtClean="0"/>
+          </a:p>
+          <a:p>
+            <a:endParaRPr lang="zh-TW" altLang="en-US" smtClean="0"/>
+          </a:p>
+          <a:p>
+            <a:r>
+              <a:rPr lang="en-US" altLang="zh-TW" smtClean="0"/>
+              <a:t>/</a:t>
+            </a:r>
+            <a:r>
+              <a:rPr lang="en-US" altLang="zh-TW" smtClean="0"/>
+              <a:t>combx|comment|disqus|foot|header|menu|meta|nav|rss|shoutbox|sidebar|sponsor/i</a:t>
+            </a:r>
+          </a:p>
+          <a:p>
+            <a:r>
+              <a:rPr lang="en-US" altLang="zh-TW" smtClean="0"/>
+              <a:t>/</a:t>
+            </a:r>
+            <a:r>
+              <a:rPr lang="en-US" altLang="zh-TW" smtClean="0"/>
+              <a:t>and|article|body|column|main/i</a:t>
+            </a:r>
+            <a:endParaRPr lang="zh-TW" altLang="en-US"/>
+          </a:p>
+        </p:txBody>
+      </p:sp>
+    </p:spTree>
+  </p:cSld>
+  <p:clrMapOvr>
+    <a:masterClrMapping/>
+  </p:clrMapOvr>
+</p:sld>
+</file>
+
+<file path=ppt/slides/slide11.xml><?xml version="1.0" encoding="utf-8"?>
+<p:sld xmlns:a="http://schemas.openxmlformats.org/drawingml/2006/main" xmlns:r="http://schemas.openxmlformats.org/officeDocument/2006/relationships" xmlns:p="http://schemas.openxmlformats.org/presentationml/2006/main">
+  <p:cSld>
+    <p:spTree>
+      <p:nvGrpSpPr>
+        <p:cNvPr id="1" name=""/>
+        <p:cNvGrpSpPr/>
+        <p:nvPr/>
+      </p:nvGrpSpPr>
+      <p:grpSpPr>
+        <a:xfrm>
+          <a:off x="0" y="0"/>
+          <a:ext cx="0" cy="0"/>
+          <a:chOff x="0" y="0"/>
+          <a:chExt cx="0" cy="0"/>
+        </a:xfrm>
+      </p:grpSpPr>
+      <p:sp>
+        <p:nvSpPr>
+          <p:cNvPr id="2" name="標題 1"/>
+          <p:cNvSpPr>
+            <a:spLocks noGrp="1"/>
+          </p:cNvSpPr>
+          <p:nvPr>
+            <p:ph type="title"/>
+          </p:nvPr>
+        </p:nvSpPr>
+        <p:spPr/>
+        <p:txBody>
+          <a:bodyPr/>
+          <a:lstStyle/>
+          <a:p>
+            <a:r>
+              <a:rPr lang="en-US" altLang="zh-TW" smtClean="0"/>
+              <a:t>Extract Content</a:t>
+            </a:r>
+            <a:endParaRPr lang="zh-TW" altLang="en-US"/>
+          </a:p>
+        </p:txBody>
+      </p:sp>
+      <p:sp>
+        <p:nvSpPr>
+          <p:cNvPr id="3" name="內容版面配置區 2"/>
+          <p:cNvSpPr>
+            <a:spLocks noGrp="1"/>
+          </p:cNvSpPr>
+          <p:nvPr>
+            <p:ph idx="1"/>
+          </p:nvPr>
+        </p:nvSpPr>
+        <p:spPr/>
+        <p:txBody>
+          <a:bodyPr/>
+          <a:lstStyle/>
+          <a:p>
+            <a:endParaRPr lang="en-US" altLang="zh-TW" smtClean="0"/>
+          </a:p>
+          <a:p>
+            <a:r>
+              <a:rPr lang="zh-TW" altLang="en-US" smtClean="0"/>
+              <a:t>把單層</a:t>
+            </a:r>
+            <a:r>
+              <a:rPr lang="en-US" altLang="zh-TW" smtClean="0"/>
+              <a:t>DIV</a:t>
+            </a:r>
+            <a:r>
+              <a:rPr lang="zh-TW" altLang="en-US" smtClean="0"/>
+              <a:t>轉成</a:t>
+            </a:r>
+            <a:r>
+              <a:rPr lang="en-US" altLang="zh-TW" smtClean="0"/>
+              <a:t>P	</a:t>
+            </a:r>
+          </a:p>
+          <a:p>
+            <a:r>
+              <a:rPr lang="zh-TW" altLang="en-US" smtClean="0"/>
+              <a:t>不</a:t>
+            </a:r>
+            <a:r>
+              <a:rPr lang="zh-TW" altLang="en-US" smtClean="0"/>
+              <a:t>符合 </a:t>
+            </a:r>
+            <a:r>
+              <a:rPr lang="en-US" altLang="zh-TW" smtClean="0"/>
+              <a:t>divToPElementsRe </a:t>
+            </a:r>
+            <a:r>
+              <a:rPr lang="zh-TW" altLang="en-US" smtClean="0"/>
+              <a:t>的 </a:t>
+            </a:r>
+            <a:r>
+              <a:rPr lang="en-US" altLang="zh-TW" smtClean="0"/>
+              <a:t>DIV</a:t>
+            </a:r>
+            <a:r>
+              <a:rPr lang="zh-TW" altLang="en-US" smtClean="0"/>
+              <a:t>轉</a:t>
+            </a:r>
+            <a:r>
+              <a:rPr lang="zh-TW" altLang="en-US" smtClean="0"/>
+              <a:t>成</a:t>
+            </a:r>
+            <a:r>
+              <a:rPr lang="en-US" altLang="zh-TW" smtClean="0"/>
+              <a:t>P</a:t>
+            </a:r>
+          </a:p>
+          <a:p>
+            <a:endParaRPr lang="en-US" altLang="zh-TW" smtClean="0"/>
+          </a:p>
+          <a:p>
+            <a:r>
+              <a:rPr lang="en-US" altLang="zh-TW" smtClean="0"/>
+              <a:t>/&lt;(a|blockquote|dl|div|img|ol|p|pre|table|ul)/i</a:t>
+            </a:r>
+            <a:endParaRPr lang="zh-TW" altLang="en-US"/>
+          </a:p>
+        </p:txBody>
+      </p:sp>
+    </p:spTree>
+  </p:cSld>
+  <p:clrMapOvr>
+    <a:masterClrMapping/>
+  </p:clrMapOvr>
+</p:sld>
+</file>
+
+<file path=ppt/slides/slide12.xml><?xml version="1.0" encoding="utf-8"?>
+<p:sld xmlns:a="http://schemas.openxmlformats.org/drawingml/2006/main" xmlns:r="http://schemas.openxmlformats.org/officeDocument/2006/relationships" xmlns:p="http://schemas.openxmlformats.org/presentationml/2006/main">
+  <p:cSld>
+    <p:spTree>
+      <p:nvGrpSpPr>
+        <p:cNvPr id="1" name=""/>
+        <p:cNvGrpSpPr/>
+        <p:nvPr/>
+      </p:nvGrpSpPr>
+      <p:grpSpPr>
+        <a:xfrm>
+          <a:off x="0" y="0"/>
+          <a:ext cx="0" cy="0"/>
+          <a:chOff x="0" y="0"/>
+          <a:chExt cx="0" cy="0"/>
+        </a:xfrm>
+      </p:grpSpPr>
+      <p:sp>
+        <p:nvSpPr>
+          <p:cNvPr id="2" name="標題 1"/>
+          <p:cNvSpPr>
+            <a:spLocks noGrp="1"/>
+          </p:cNvSpPr>
+          <p:nvPr>
+            <p:ph type="title"/>
+          </p:nvPr>
+        </p:nvSpPr>
+        <p:spPr/>
+        <p:txBody>
+          <a:bodyPr/>
+          <a:lstStyle/>
+          <a:p>
+            <a:r>
+              <a:rPr lang="en-US" altLang="zh-TW" smtClean="0"/>
+              <a:t>Extract Content</a:t>
+            </a:r>
+            <a:endParaRPr lang="zh-TW" altLang="en-US"/>
+          </a:p>
+        </p:txBody>
+      </p:sp>
+      <p:sp>
+        <p:nvSpPr>
+          <p:cNvPr id="3" name="內容版面配置區 2"/>
+          <p:cNvSpPr>
+            <a:spLocks noGrp="1"/>
+          </p:cNvSpPr>
+          <p:nvPr>
+            <p:ph idx="1"/>
+          </p:nvPr>
+        </p:nvSpPr>
+        <p:spPr/>
+        <p:txBody>
+          <a:bodyPr/>
+          <a:lstStyle/>
+          <a:p>
+            <a:endParaRPr lang="en-US" altLang="zh-TW" smtClean="0"/>
+          </a:p>
+          <a:p>
+            <a:r>
+              <a:rPr lang="zh-TW" altLang="en-US" smtClean="0"/>
+              <a:t>針對</a:t>
+            </a:r>
+            <a:r>
+              <a:rPr lang="zh-TW" altLang="en-US" smtClean="0"/>
+              <a:t>所有</a:t>
+            </a:r>
+            <a:r>
+              <a:rPr lang="en-US" altLang="zh-TW" smtClean="0"/>
+              <a:t>P</a:t>
+            </a:r>
+            <a:r>
+              <a:rPr lang="zh-TW" altLang="en-US" smtClean="0"/>
+              <a:t>算出分數</a:t>
+            </a:r>
+          </a:p>
+          <a:p>
+            <a:r>
+              <a:rPr lang="zh-TW" altLang="en-US" smtClean="0"/>
+              <a:t>	</a:t>
+            </a:r>
+            <a:r>
+              <a:rPr lang="zh-TW" altLang="en-US" smtClean="0"/>
+              <a:t>如果</a:t>
+            </a:r>
+            <a:r>
+              <a:rPr lang="en-US" altLang="zh-TW" smtClean="0"/>
+              <a:t>P innerText </a:t>
+            </a:r>
+            <a:r>
+              <a:rPr lang="zh-TW" altLang="en-US" smtClean="0"/>
+              <a:t>長度小於</a:t>
+            </a:r>
+            <a:r>
+              <a:rPr lang="en-US" altLang="zh-TW" smtClean="0"/>
+              <a:t>25</a:t>
+            </a:r>
+            <a:r>
+              <a:rPr lang="zh-TW" altLang="en-US" smtClean="0"/>
+              <a:t>則略過</a:t>
+            </a:r>
+          </a:p>
+          <a:p>
+            <a:r>
+              <a:rPr lang="zh-TW" altLang="en-US" smtClean="0"/>
+              <a:t>	</a:t>
+            </a:r>
+            <a:r>
+              <a:rPr lang="zh-TW" altLang="en-US" smtClean="0"/>
+              <a:t>初</a:t>
+            </a:r>
+            <a:r>
+              <a:rPr lang="zh-TW" altLang="en-US" smtClean="0"/>
+              <a:t>始為</a:t>
+            </a:r>
+            <a:r>
+              <a:rPr lang="en-US" altLang="zh-TW" smtClean="0"/>
+              <a:t>2</a:t>
+            </a:r>
+            <a:r>
+              <a:rPr lang="zh-TW" altLang="en-US" smtClean="0"/>
+              <a:t>分</a:t>
+            </a:r>
+          </a:p>
+          <a:p>
+            <a:r>
+              <a:rPr lang="zh-TW" altLang="en-US" smtClean="0"/>
+              <a:t>	</a:t>
+            </a:r>
+            <a:r>
+              <a:rPr lang="en-US" altLang="zh-TW" smtClean="0"/>
+              <a:t>innerText</a:t>
+            </a:r>
+            <a:r>
+              <a:rPr lang="zh-TW" altLang="en-US" smtClean="0"/>
+              <a:t>每</a:t>
+            </a:r>
+            <a:r>
+              <a:rPr lang="en-US" altLang="zh-TW" smtClean="0"/>
+              <a:t>100</a:t>
+            </a:r>
+            <a:r>
+              <a:rPr lang="zh-TW" altLang="en-US" smtClean="0"/>
+              <a:t>字</a:t>
+            </a:r>
+            <a:r>
+              <a:rPr lang="en-US" altLang="zh-TW" smtClean="0"/>
+              <a:t>+1</a:t>
+            </a:r>
+            <a:r>
+              <a:rPr lang="zh-TW" altLang="en-US" smtClean="0"/>
+              <a:t>分 最多加</a:t>
+            </a:r>
+            <a:r>
+              <a:rPr lang="en-US" altLang="zh-TW" smtClean="0"/>
+              <a:t>3</a:t>
+            </a:r>
+            <a:r>
+              <a:rPr lang="zh-TW" altLang="en-US" smtClean="0"/>
+              <a:t>分</a:t>
+            </a:r>
+          </a:p>
+          <a:p>
+            <a:r>
+              <a:rPr lang="zh-TW" altLang="en-US" smtClean="0"/>
+              <a:t>	</a:t>
+            </a:r>
+            <a:r>
+              <a:rPr lang="en-US" altLang="zh-TW" smtClean="0"/>
+              <a:t>innerText</a:t>
+            </a:r>
+            <a:r>
+              <a:rPr lang="zh-TW" altLang="en-US" smtClean="0"/>
+              <a:t>每有一個逗號</a:t>
+            </a:r>
+            <a:r>
+              <a:rPr lang="en-US" altLang="zh-TW" smtClean="0"/>
+              <a:t>+1</a:t>
+            </a:r>
+            <a:r>
+              <a:rPr lang="zh-TW" altLang="en-US" smtClean="0"/>
+              <a:t>分</a:t>
+            </a:r>
+          </a:p>
+          <a:p>
+            <a:r>
+              <a:rPr lang="zh-TW" altLang="en-US" smtClean="0"/>
+              <a:t>	</a:t>
+            </a:r>
+            <a:r>
+              <a:rPr lang="zh-TW" altLang="en-US" smtClean="0"/>
+              <a:t>把</a:t>
+            </a:r>
+            <a:r>
+              <a:rPr lang="en-US" altLang="zh-TW" smtClean="0"/>
+              <a:t>P</a:t>
+            </a:r>
+            <a:r>
+              <a:rPr lang="zh-TW" altLang="en-US" smtClean="0"/>
+              <a:t>算出來的分數</a:t>
+            </a:r>
+            <a:r>
+              <a:rPr lang="en-US" altLang="zh-TW" smtClean="0"/>
+              <a:t>+</a:t>
+            </a:r>
+            <a:r>
+              <a:rPr lang="zh-TW" altLang="en-US" smtClean="0"/>
+              <a:t>到</a:t>
+            </a:r>
+            <a:r>
+              <a:rPr lang="en-US" altLang="zh-TW" smtClean="0"/>
+              <a:t>parentNode</a:t>
+            </a:r>
+          </a:p>
+          <a:p>
+            <a:r>
+              <a:rPr lang="en-US" altLang="zh-TW" smtClean="0"/>
+              <a:t>	</a:t>
+            </a:r>
+            <a:r>
+              <a:rPr lang="zh-TW" altLang="en-US" smtClean="0"/>
+              <a:t>一半的</a:t>
+            </a:r>
+            <a:r>
+              <a:rPr lang="zh-TW" altLang="en-US" smtClean="0"/>
+              <a:t>分數</a:t>
+            </a:r>
+            <a:r>
+              <a:rPr lang="en-US" altLang="zh-TW" smtClean="0"/>
+              <a:t>+</a:t>
+            </a:r>
+            <a:r>
+              <a:rPr lang="zh-TW" altLang="en-US" smtClean="0"/>
+              <a:t>到</a:t>
+            </a:r>
+            <a:r>
+              <a:rPr lang="en-US" altLang="zh-TW" smtClean="0"/>
+              <a:t>grandParentNode</a:t>
+            </a:r>
+          </a:p>
+          <a:p>
+            <a:r>
+              <a:rPr lang="zh-TW" altLang="en-US" smtClean="0"/>
+              <a:t>這些</a:t>
+            </a:r>
+            <a:r>
+              <a:rPr lang="en-US" altLang="zh-TW" smtClean="0"/>
+              <a:t>parentNode</a:t>
+            </a:r>
+            <a:r>
+              <a:rPr lang="zh-TW" altLang="en-US" smtClean="0"/>
+              <a:t>與</a:t>
+            </a:r>
+            <a:r>
+              <a:rPr lang="en-US" altLang="zh-TW" smtClean="0"/>
+              <a:t>grandParentNode</a:t>
+            </a:r>
+            <a:r>
+              <a:rPr lang="zh-TW" altLang="en-US" smtClean="0"/>
+              <a:t>會被加到</a:t>
+            </a:r>
+            <a:r>
+              <a:rPr lang="en-US" altLang="zh-TW" smtClean="0"/>
+              <a:t>cadidate array</a:t>
+            </a:r>
+            <a:endParaRPr lang="zh-TW" altLang="en-US"/>
+          </a:p>
+        </p:txBody>
+      </p:sp>
+    </p:spTree>
+  </p:cSld>
+  <p:clrMapOvr>
+    <a:masterClrMapping/>
+  </p:clrMapOvr>
+</p:sld>
+</file>
+
+<file path=ppt/slides/slide13.xml><?xml version="1.0" encoding="utf-8"?>
+<p:sld xmlns:a="http://schemas.openxmlformats.org/drawingml/2006/main" xmlns:r="http://schemas.openxmlformats.org/officeDocument/2006/relationships" xmlns:p="http://schemas.openxmlformats.org/presentationml/2006/main">
+  <p:cSld>
+    <p:spTree>
+      <p:nvGrpSpPr>
+        <p:cNvPr id="1" name=""/>
+        <p:cNvGrpSpPr/>
+        <p:nvPr/>
+      </p:nvGrpSpPr>
+      <p:grpSpPr>
+        <a:xfrm>
+          <a:off x="0" y="0"/>
+          <a:ext cx="0" cy="0"/>
+          <a:chOff x="0" y="0"/>
+          <a:chExt cx="0" cy="0"/>
+        </a:xfrm>
+      </p:grpSpPr>
+      <p:sp>
+        <p:nvSpPr>
+          <p:cNvPr id="2" name="標題 1"/>
+          <p:cNvSpPr>
+            <a:spLocks noGrp="1"/>
+          </p:cNvSpPr>
+          <p:nvPr>
+            <p:ph type="title"/>
+          </p:nvPr>
+        </p:nvSpPr>
+        <p:spPr/>
+        <p:txBody>
+          <a:bodyPr/>
+          <a:lstStyle/>
+          <a:p>
+            <a:r>
+              <a:rPr lang="en-US" altLang="zh-TW" smtClean="0"/>
+              <a:t>Extract Content</a:t>
+            </a:r>
+            <a:endParaRPr lang="zh-TW" altLang="en-US"/>
+          </a:p>
+        </p:txBody>
+      </p:sp>
+      <p:sp>
+        <p:nvSpPr>
+          <p:cNvPr id="3" name="內容版面配置區 2"/>
+          <p:cNvSpPr>
+            <a:spLocks noGrp="1"/>
+          </p:cNvSpPr>
+          <p:nvPr>
+            <p:ph idx="1"/>
+          </p:nvPr>
+        </p:nvSpPr>
+        <p:spPr/>
+        <p:txBody>
+          <a:bodyPr/>
+          <a:lstStyle/>
+          <a:p>
+            <a:endParaRPr lang="en-US" altLang="zh-TW" smtClean="0"/>
+          </a:p>
+          <a:p>
+            <a:r>
+              <a:rPr lang="zh-TW" altLang="en-US" smtClean="0"/>
+              <a:t>節點分數初始化</a:t>
+            </a:r>
+            <a:endParaRPr lang="zh-TW" altLang="en-US" smtClean="0"/>
+          </a:p>
+          <a:p>
+            <a:pPr>
+              <a:buNone/>
+            </a:pPr>
+            <a:r>
+              <a:rPr lang="zh-TW" altLang="en-US" smtClean="0"/>
+              <a:t>		</a:t>
+            </a:r>
+            <a:r>
+              <a:rPr lang="en-US" altLang="zh-TW" smtClean="0"/>
+              <a:t>TAG TYPE</a:t>
+            </a:r>
+          </a:p>
+          <a:p>
+            <a:r>
+              <a:rPr lang="en-US" altLang="zh-TW" smtClean="0"/>
+              <a:t>		</a:t>
+            </a:r>
+            <a:r>
+              <a:rPr lang="en-US" altLang="zh-TW" smtClean="0"/>
+              <a:t>div </a:t>
+            </a:r>
+            <a:r>
+              <a:rPr lang="en-US" altLang="zh-TW" smtClean="0"/>
+              <a:t>				+ </a:t>
+            </a:r>
+            <a:r>
+              <a:rPr lang="en-US" altLang="zh-TW" smtClean="0"/>
+              <a:t>5</a:t>
+            </a:r>
+          </a:p>
+          <a:p>
+            <a:r>
+              <a:rPr lang="en-US" altLang="zh-TW" smtClean="0"/>
+              <a:t>		pre, td, </a:t>
+            </a:r>
+            <a:r>
+              <a:rPr lang="en-US" altLang="zh-TW" smtClean="0"/>
+              <a:t>blockquote </a:t>
+            </a:r>
+            <a:r>
+              <a:rPr lang="en-US" altLang="zh-TW" smtClean="0"/>
+              <a:t>		+ </a:t>
+            </a:r>
+            <a:r>
+              <a:rPr lang="en-US" altLang="zh-TW" smtClean="0"/>
+              <a:t>3</a:t>
+            </a:r>
+          </a:p>
+          <a:p>
+            <a:r>
+              <a:rPr lang="en-US" altLang="zh-TW" smtClean="0"/>
+              <a:t>		address, ol, ul, dl, dd, dt, li, </a:t>
+            </a:r>
+            <a:r>
+              <a:rPr lang="en-US" altLang="zh-TW" smtClean="0"/>
+              <a:t>form </a:t>
+            </a:r>
+            <a:r>
+              <a:rPr lang="en-US" altLang="zh-TW" smtClean="0"/>
+              <a:t>	- </a:t>
+            </a:r>
+            <a:r>
+              <a:rPr lang="en-US" altLang="zh-TW" smtClean="0"/>
+              <a:t>3</a:t>
+            </a:r>
+          </a:p>
+          <a:p>
+            <a:r>
+              <a:rPr lang="en-US" altLang="zh-TW" smtClean="0"/>
+              <a:t>		</a:t>
+            </a:r>
+            <a:r>
+              <a:rPr lang="en-US" altLang="zh-TW" smtClean="0"/>
+              <a:t>h1~h6 </a:t>
+            </a:r>
+            <a:r>
+              <a:rPr lang="en-US" altLang="zh-TW" smtClean="0"/>
+              <a:t>				-</a:t>
+            </a:r>
+            <a:r>
+              <a:rPr lang="zh-TW" altLang="en-US" smtClean="0"/>
+              <a:t> </a:t>
+            </a:r>
+            <a:r>
+              <a:rPr lang="en-US" altLang="zh-TW" smtClean="0"/>
+              <a:t>6</a:t>
+            </a:r>
+            <a:endParaRPr lang="en-US" altLang="zh-TW" smtClean="0"/>
+          </a:p>
+        </p:txBody>
+      </p:sp>
+    </p:spTree>
+  </p:cSld>
+  <p:clrMapOvr>
+    <a:masterClrMapping/>
+  </p:clrMapOvr>
+</p:sld>
+</file>
+
+<file path=ppt/slides/slide14.xml><?xml version="1.0" encoding="utf-8"?>
+<p:sld xmlns:a="http://schemas.openxmlformats.org/drawingml/2006/main" xmlns:r="http://schemas.openxmlformats.org/officeDocument/2006/relationships" xmlns:p="http://schemas.openxmlformats.org/presentationml/2006/main">
+  <p:cSld>
+    <p:spTree>
+      <p:nvGrpSpPr>
+        <p:cNvPr id="1" name=""/>
+        <p:cNvGrpSpPr/>
+        <p:nvPr/>
+      </p:nvGrpSpPr>
+      <p:grpSpPr>
+        <a:xfrm>
+          <a:off x="0" y="0"/>
+          <a:ext cx="0" cy="0"/>
+          <a:chOff x="0" y="0"/>
+          <a:chExt cx="0" cy="0"/>
+        </a:xfrm>
+      </p:grpSpPr>
+      <p:sp>
+        <p:nvSpPr>
+          <p:cNvPr id="2" name="標題 1"/>
+          <p:cNvSpPr>
+            <a:spLocks noGrp="1"/>
+          </p:cNvSpPr>
+          <p:nvPr>
+            <p:ph type="title"/>
+          </p:nvPr>
+        </p:nvSpPr>
+        <p:spPr/>
+        <p:txBody>
+          <a:bodyPr/>
+          <a:lstStyle/>
+          <a:p>
+            <a:r>
+              <a:rPr lang="en-US" altLang="zh-TW" smtClean="0"/>
+              <a:t>Extract Content</a:t>
+            </a:r>
+            <a:endParaRPr lang="zh-TW" altLang="en-US"/>
+          </a:p>
+        </p:txBody>
+      </p:sp>
+      <p:sp>
+        <p:nvSpPr>
+          <p:cNvPr id="3" name="內容版面配置區 2"/>
+          <p:cNvSpPr>
+            <a:spLocks noGrp="1"/>
+          </p:cNvSpPr>
+          <p:nvPr>
+            <p:ph idx="1"/>
+          </p:nvPr>
+        </p:nvSpPr>
+        <p:spPr/>
+        <p:txBody>
+          <a:bodyPr/>
+          <a:lstStyle/>
+          <a:p>
+            <a:endParaRPr lang="en-US" altLang="zh-TW" smtClean="0"/>
+          </a:p>
+          <a:p>
+            <a:r>
+              <a:rPr lang="zh-TW" altLang="en-US" smtClean="0"/>
+              <a:t>節點</a:t>
+            </a:r>
+            <a:r>
+              <a:rPr lang="zh-TW" altLang="en-US" smtClean="0"/>
+              <a:t>分數初始化</a:t>
+            </a:r>
+            <a:r>
+              <a:rPr lang="en-US" altLang="zh-TW" smtClean="0"/>
+              <a:t>		</a:t>
+            </a:r>
+            <a:r>
+              <a:rPr lang="en-US" altLang="zh-TW" smtClean="0"/>
+              <a:t>	</a:t>
+            </a:r>
+            <a:endParaRPr lang="en-US" altLang="zh-TW" smtClean="0"/>
+          </a:p>
+          <a:p>
+            <a:pPr>
+              <a:buNone/>
+            </a:pPr>
+            <a:r>
+              <a:rPr lang="en-US" altLang="zh-TW" smtClean="0"/>
+              <a:t>		ID</a:t>
+            </a:r>
+            <a:r>
+              <a:rPr lang="en-US" altLang="zh-TW" smtClean="0"/>
+              <a:t>, </a:t>
+            </a:r>
+            <a:r>
+              <a:rPr lang="en-US" altLang="zh-TW" smtClean="0"/>
+              <a:t>ClassName	</a:t>
+            </a:r>
+            <a:r>
+              <a:rPr lang="zh-TW" altLang="en-US" smtClean="0"/>
+              <a:t>符合</a:t>
+            </a:r>
+            <a:r>
+              <a:rPr lang="en-US" altLang="zh-TW" smtClean="0"/>
+              <a:t>positiveRe + 25</a:t>
+            </a:r>
+          </a:p>
+          <a:p>
+            <a:r>
+              <a:rPr lang="en-US" altLang="zh-TW" smtClean="0"/>
+              <a:t>	</a:t>
+            </a:r>
+            <a:r>
+              <a:rPr lang="en-US" altLang="zh-TW" smtClean="0"/>
+              <a:t>	</a:t>
+            </a:r>
+            <a:r>
+              <a:rPr lang="en-US" altLang="zh-TW" smtClean="0"/>
+              <a:t>	</a:t>
+            </a:r>
+            <a:r>
+              <a:rPr lang="zh-TW" altLang="en-US" smtClean="0"/>
+              <a:t>符合</a:t>
+            </a:r>
+            <a:r>
+              <a:rPr lang="en-US" altLang="zh-TW" smtClean="0"/>
+              <a:t>negativeRe </a:t>
+            </a:r>
+            <a:r>
+              <a:rPr lang="en-US" altLang="zh-TW" smtClean="0"/>
+              <a:t>– 25</a:t>
+            </a:r>
+          </a:p>
+          <a:p>
+            <a:endParaRPr lang="en-US" altLang="zh-TW" smtClean="0"/>
+          </a:p>
+          <a:p>
+            <a:r>
+              <a:rPr lang="en-US" altLang="zh-TW" smtClean="0"/>
+              <a:t>/article|body|content|entry|hentry|page|pagination|post|text/I</a:t>
+            </a:r>
+          </a:p>
+          <a:p>
+            <a:endParaRPr lang="en-US" altLang="zh-TW" smtClean="0"/>
+          </a:p>
+          <a:p>
+            <a:r>
+              <a:rPr lang="en-US" altLang="zh-TW" smtClean="0"/>
+              <a:t>/combx|comment|contact|foot|footer|footnote|link|media|meta|promo|related|scroll|shoutbox|sponsor|utility|tags|widget/i</a:t>
+            </a:r>
+            <a:endParaRPr lang="zh-TW" altLang="en-US" smtClean="0"/>
+          </a:p>
+          <a:p>
+            <a:endParaRPr lang="zh-TW" altLang="en-US"/>
+          </a:p>
+        </p:txBody>
+      </p:sp>
+    </p:spTree>
+  </p:cSld>
+  <p:clrMapOvr>
+    <a:masterClrMapping/>
+  </p:clrMapOvr>
+</p:sld>
+</file>
+
+<file path=ppt/slides/slide15.xml><?xml version="1.0" encoding="utf-8"?>
+<p:sld xmlns:a="http://schemas.openxmlformats.org/drawingml/2006/main" xmlns:r="http://schemas.openxmlformats.org/officeDocument/2006/relationships" xmlns:p="http://schemas.openxmlformats.org/presentationml/2006/main">
+  <p:cSld>
+    <p:spTree>
+      <p:nvGrpSpPr>
+        <p:cNvPr id="1" name=""/>
+        <p:cNvGrpSpPr/>
+        <p:nvPr/>
+      </p:nvGrpSpPr>
+      <p:grpSpPr>
+        <a:xfrm>
+          <a:off x="0" y="0"/>
+          <a:ext cx="0" cy="0"/>
+          <a:chOff x="0" y="0"/>
+          <a:chExt cx="0" cy="0"/>
+        </a:xfrm>
+      </p:grpSpPr>
+      <p:sp>
+        <p:nvSpPr>
+          <p:cNvPr id="2" name="標題 1"/>
+          <p:cNvSpPr>
+            <a:spLocks noGrp="1"/>
+          </p:cNvSpPr>
+          <p:nvPr>
+            <p:ph type="title"/>
+          </p:nvPr>
+        </p:nvSpPr>
+        <p:spPr/>
+        <p:txBody>
+          <a:bodyPr/>
+          <a:lstStyle/>
+          <a:p>
+            <a:r>
+              <a:rPr lang="en-US" altLang="zh-TW" smtClean="0"/>
+              <a:t>Extract Content</a:t>
+            </a:r>
+            <a:endParaRPr lang="zh-TW" altLang="en-US"/>
+          </a:p>
+        </p:txBody>
+      </p:sp>
+      <p:sp>
+        <p:nvSpPr>
+          <p:cNvPr id="3" name="內容版面配置區 2"/>
+          <p:cNvSpPr>
+            <a:spLocks noGrp="1"/>
+          </p:cNvSpPr>
+          <p:nvPr>
+            <p:ph idx="1"/>
+          </p:nvPr>
+        </p:nvSpPr>
+        <p:spPr/>
+        <p:txBody>
+          <a:bodyPr/>
+          <a:lstStyle/>
+          <a:p>
+            <a:endParaRPr lang="en-US" altLang="zh-TW" smtClean="0"/>
+          </a:p>
+          <a:p>
+            <a:r>
+              <a:rPr lang="zh-TW" altLang="en-US" smtClean="0"/>
+              <a:t>從</a:t>
+            </a:r>
+            <a:r>
+              <a:rPr lang="en-US" altLang="zh-TW" smtClean="0"/>
+              <a:t>cadidate array</a:t>
+            </a:r>
+            <a:r>
+              <a:rPr lang="zh-TW" altLang="en-US" smtClean="0"/>
+              <a:t>選出</a:t>
+            </a:r>
+            <a:r>
+              <a:rPr lang="en-US" altLang="zh-TW" smtClean="0"/>
+              <a:t>topCandidate</a:t>
+            </a:r>
+          </a:p>
+          <a:p>
+            <a:r>
+              <a:rPr lang="en-US" altLang="zh-TW" smtClean="0"/>
+              <a:t>	</a:t>
+            </a:r>
+            <a:r>
+              <a:rPr lang="en-US" altLang="zh-TW" smtClean="0"/>
+              <a:t>cadicate</a:t>
+            </a:r>
+            <a:r>
+              <a:rPr lang="zh-TW" altLang="en-US" smtClean="0"/>
+              <a:t>的</a:t>
+            </a:r>
+            <a:r>
+              <a:rPr lang="en-US" altLang="zh-TW" smtClean="0"/>
+              <a:t>score *= (1-linkDensity)</a:t>
+            </a:r>
+          </a:p>
+          <a:p>
+            <a:r>
+              <a:rPr lang="en-US" altLang="zh-TW" smtClean="0"/>
+              <a:t>	</a:t>
+            </a:r>
+            <a:r>
+              <a:rPr lang="zh-TW" altLang="en-US" smtClean="0"/>
+              <a:t>從中</a:t>
+            </a:r>
+            <a:r>
+              <a:rPr lang="zh-TW" altLang="en-US" smtClean="0"/>
+              <a:t>選出最高分為</a:t>
+            </a:r>
+            <a:r>
+              <a:rPr lang="en-US" altLang="zh-TW" smtClean="0"/>
+              <a:t>topCandidate</a:t>
+            </a:r>
+          </a:p>
+          <a:p>
+            <a:r>
+              <a:rPr lang="en-US" altLang="zh-TW" smtClean="0"/>
+              <a:t>	</a:t>
+            </a:r>
+            <a:r>
+              <a:rPr lang="zh-TW" altLang="en-US" smtClean="0"/>
+              <a:t>如果</a:t>
+            </a:r>
+            <a:r>
+              <a:rPr lang="zh-TW" altLang="en-US" smtClean="0"/>
+              <a:t>沒有</a:t>
+            </a:r>
+            <a:r>
+              <a:rPr lang="en-US" altLang="zh-TW" smtClean="0"/>
+              <a:t>topCandidate</a:t>
+            </a:r>
+            <a:r>
+              <a:rPr lang="zh-TW" altLang="en-US" smtClean="0"/>
+              <a:t>則將</a:t>
+            </a:r>
+            <a:r>
+              <a:rPr lang="en-US" altLang="zh-TW" smtClean="0"/>
+              <a:t>body node</a:t>
+            </a:r>
+            <a:r>
+              <a:rPr lang="zh-TW" altLang="en-US" smtClean="0"/>
+              <a:t>視為</a:t>
+            </a:r>
+            <a:r>
+              <a:rPr lang="en-US" altLang="zh-TW" smtClean="0"/>
+              <a:t>topCandidate</a:t>
+            </a:r>
+            <a:endParaRPr lang="zh-TW" altLang="en-US" smtClean="0"/>
+          </a:p>
+          <a:p>
+            <a:endParaRPr lang="zh-TW" altLang="en-US"/>
+          </a:p>
+        </p:txBody>
+      </p:sp>
+    </p:spTree>
+  </p:cSld>
+  <p:clrMapOvr>
+    <a:masterClrMapping/>
+  </p:clrMapOvr>
+</p:sld>
+</file>
+
+<file path=ppt/slides/slide16.xml><?xml version="1.0" encoding="utf-8"?>
+<p:sld xmlns:a="http://schemas.openxmlformats.org/drawingml/2006/main" xmlns:r="http://schemas.openxmlformats.org/officeDocument/2006/relationships" xmlns:p="http://schemas.openxmlformats.org/presentationml/2006/main">
+  <p:cSld>
+    <p:spTree>
+      <p:nvGrpSpPr>
+        <p:cNvPr id="1" name=""/>
+        <p:cNvGrpSpPr/>
+        <p:nvPr/>
+      </p:nvGrpSpPr>
+      <p:grpSpPr>
+        <a:xfrm>
+          <a:off x="0" y="0"/>
+          <a:ext cx="0" cy="0"/>
+          <a:chOff x="0" y="0"/>
+          <a:chExt cx="0" cy="0"/>
+        </a:xfrm>
+      </p:grpSpPr>
+      <p:sp>
+        <p:nvSpPr>
+          <p:cNvPr id="2" name="標題 1"/>
+          <p:cNvSpPr>
+            <a:spLocks noGrp="1"/>
+          </p:cNvSpPr>
+          <p:nvPr>
+            <p:ph type="title"/>
+          </p:nvPr>
+        </p:nvSpPr>
+        <p:spPr/>
+        <p:txBody>
+          <a:bodyPr/>
+          <a:lstStyle/>
+          <a:p>
+            <a:r>
+              <a:rPr lang="en-US" altLang="zh-TW" smtClean="0"/>
+              <a:t>Extract Content</a:t>
+            </a:r>
+            <a:endParaRPr lang="zh-TW" altLang="en-US"/>
+          </a:p>
+        </p:txBody>
+      </p:sp>
+      <p:sp>
+        <p:nvSpPr>
+          <p:cNvPr id="3" name="內容版面配置區 2"/>
+          <p:cNvSpPr>
+            <a:spLocks noGrp="1"/>
+          </p:cNvSpPr>
+          <p:nvPr>
+            <p:ph idx="1"/>
+          </p:nvPr>
+        </p:nvSpPr>
+        <p:spPr/>
+        <p:txBody>
+          <a:bodyPr>
+            <a:normAutofit/>
+          </a:bodyPr>
+          <a:lstStyle/>
+          <a:p>
+            <a:endParaRPr lang="en-US" altLang="zh-TW" smtClean="0"/>
+          </a:p>
+          <a:p>
+            <a:r>
+              <a:rPr lang="zh-TW" altLang="en-US" smtClean="0"/>
+              <a:t>抽取</a:t>
+            </a:r>
+            <a:r>
+              <a:rPr lang="en-US" altLang="zh-TW" smtClean="0"/>
+              <a:t>articleContent</a:t>
+            </a:r>
+          </a:p>
+          <a:p>
+            <a:r>
+              <a:rPr lang="en-US" altLang="zh-TW" smtClean="0"/>
+              <a:t>	</a:t>
+            </a:r>
+            <a:r>
+              <a:rPr lang="zh-TW" altLang="en-US" smtClean="0"/>
+              <a:t>把</a:t>
+            </a:r>
+            <a:r>
+              <a:rPr lang="en-US" altLang="zh-TW" smtClean="0"/>
+              <a:t>topCandidate</a:t>
+            </a:r>
+            <a:r>
+              <a:rPr lang="zh-TW" altLang="en-US" smtClean="0"/>
+              <a:t>加到</a:t>
+            </a:r>
+            <a:r>
+              <a:rPr lang="en-US" altLang="zh-TW" smtClean="0"/>
+              <a:t>articleContent</a:t>
+            </a:r>
+          </a:p>
+          <a:p>
+            <a:r>
+              <a:rPr lang="en-US" altLang="zh-TW" smtClean="0"/>
+              <a:t>	</a:t>
+            </a:r>
+            <a:r>
+              <a:rPr lang="zh-TW" altLang="en-US" smtClean="0"/>
+              <a:t>把</a:t>
+            </a:r>
+            <a:r>
+              <a:rPr lang="en-US" altLang="zh-TW" smtClean="0"/>
+              <a:t>topCandidate</a:t>
+            </a:r>
+            <a:r>
+              <a:rPr lang="zh-TW" altLang="en-US" smtClean="0"/>
+              <a:t>的</a:t>
+            </a:r>
+            <a:r>
+              <a:rPr lang="en-US" altLang="zh-TW" smtClean="0"/>
+              <a:t>siblingNode</a:t>
+            </a:r>
+            <a:r>
+              <a:rPr lang="zh-TW" altLang="en-US" smtClean="0"/>
+              <a:t>全找出來</a:t>
+            </a:r>
+            <a:endParaRPr lang="en-US" altLang="zh-TW" smtClean="0"/>
+          </a:p>
+          <a:p>
+            <a:r>
+              <a:rPr lang="en-US" altLang="zh-TW" smtClean="0"/>
+              <a:t>	</a:t>
+            </a:r>
+            <a:r>
+              <a:rPr lang="zh-TW" altLang="en-US" smtClean="0"/>
+              <a:t>並</a:t>
+            </a:r>
+            <a:r>
+              <a:rPr lang="zh-TW" altLang="en-US" smtClean="0"/>
+              <a:t>將</a:t>
+            </a:r>
+            <a:r>
+              <a:rPr lang="en-US" altLang="zh-TW" smtClean="0"/>
+              <a:t>topCandidate</a:t>
+            </a:r>
+            <a:r>
+              <a:rPr lang="zh-TW" altLang="en-US" smtClean="0"/>
+              <a:t>的分數 * </a:t>
+            </a:r>
+            <a:r>
+              <a:rPr lang="en-US" altLang="zh-TW" smtClean="0"/>
+              <a:t>0.2</a:t>
+            </a:r>
+            <a:r>
+              <a:rPr lang="zh-TW" altLang="en-US" smtClean="0"/>
+              <a:t>設為</a:t>
+            </a:r>
+            <a:r>
+              <a:rPr lang="en-US" altLang="zh-TW" smtClean="0"/>
+              <a:t>Threshold</a:t>
+            </a:r>
+            <a:r>
+              <a:rPr lang="zh-TW" altLang="en-US" smtClean="0"/>
+              <a:t>，</a:t>
+            </a:r>
+            <a:r>
+              <a:rPr lang="en-US" altLang="zh-TW" smtClean="0"/>
+              <a:t>Threshold</a:t>
+            </a:r>
+            <a:r>
+              <a:rPr lang="zh-TW" altLang="en-US" smtClean="0"/>
+              <a:t>低於</a:t>
+            </a:r>
+            <a:r>
+              <a:rPr lang="en-US" altLang="zh-TW" smtClean="0"/>
+              <a:t>10</a:t>
+            </a:r>
+            <a:r>
+              <a:rPr lang="zh-TW" altLang="en-US" smtClean="0"/>
+              <a:t>分則設為</a:t>
+            </a:r>
+            <a:r>
+              <a:rPr lang="en-US" altLang="zh-TW" smtClean="0"/>
+              <a:t>10</a:t>
+            </a:r>
+            <a:r>
+              <a:rPr lang="zh-TW" altLang="en-US" smtClean="0"/>
+              <a:t>分</a:t>
+            </a:r>
+            <a:endParaRPr lang="en-US" altLang="zh-TW" smtClean="0"/>
+          </a:p>
+          <a:p>
+            <a:r>
+              <a:rPr lang="en-US" altLang="zh-TW" smtClean="0"/>
+              <a:t>	</a:t>
+            </a:r>
+            <a:r>
+              <a:rPr lang="zh-TW" altLang="en-US" smtClean="0"/>
+              <a:t>如果</a:t>
+            </a:r>
+            <a:r>
+              <a:rPr lang="en-US" altLang="zh-TW" smtClean="0"/>
+              <a:t>siblingNode</a:t>
+            </a:r>
+            <a:r>
+              <a:rPr lang="zh-TW" altLang="en-US" smtClean="0"/>
+              <a:t>的分數 </a:t>
+            </a:r>
+            <a:r>
+              <a:rPr lang="en-US" altLang="zh-TW" smtClean="0"/>
+              <a:t>&gt;= siblingScoreThreshold</a:t>
+            </a:r>
+          </a:p>
+          <a:p>
+            <a:r>
+              <a:rPr lang="en-US" altLang="zh-TW" smtClean="0"/>
+              <a:t>	</a:t>
+            </a:r>
+            <a:r>
+              <a:rPr lang="zh-TW" altLang="en-US" smtClean="0"/>
+              <a:t>如果</a:t>
+            </a:r>
+            <a:r>
+              <a:rPr lang="en-US" altLang="zh-TW" smtClean="0"/>
+              <a:t>siblingNode</a:t>
+            </a:r>
+            <a:r>
+              <a:rPr lang="zh-TW" altLang="en-US" smtClean="0"/>
+              <a:t>為</a:t>
+            </a:r>
+            <a:r>
+              <a:rPr lang="en-US" altLang="zh-TW" smtClean="0"/>
+              <a:t>P</a:t>
+            </a:r>
+          </a:p>
+          <a:p>
+            <a:pPr lvl="8">
+              <a:buNone/>
+            </a:pPr>
+            <a:r>
+              <a:rPr lang="en-US" altLang="zh-TW" smtClean="0"/>
+              <a:t>nodeLength </a:t>
+            </a:r>
+            <a:r>
+              <a:rPr lang="en-US" altLang="zh-TW" smtClean="0"/>
+              <a:t>&gt; 80 and linkDensity &lt; 0.25</a:t>
+            </a:r>
+          </a:p>
+          <a:p>
+            <a:pPr lvl="8">
+              <a:buNone/>
+            </a:pPr>
+            <a:r>
+              <a:rPr lang="en-US" altLang="zh-TW" smtClean="0"/>
+              <a:t>nodeLength &lt; 80 &amp;&amp; linkDensity == 0 &amp;&amp; nodeContent.search(/\.( |$)/) !== -1</a:t>
+            </a:r>
+          </a:p>
+          <a:p>
+            <a:pPr lvl="1">
+              <a:buNone/>
+            </a:pPr>
+            <a:r>
+              <a:rPr lang="en-US" altLang="zh-TW" smtClean="0"/>
+              <a:t>		</a:t>
+            </a:r>
+            <a:r>
+              <a:rPr lang="zh-TW" altLang="en-US" smtClean="0"/>
+              <a:t>就</a:t>
+            </a:r>
+            <a:r>
+              <a:rPr lang="zh-TW" altLang="en-US" smtClean="0"/>
+              <a:t>把該</a:t>
+            </a:r>
+            <a:r>
+              <a:rPr lang="en-US" altLang="zh-TW" smtClean="0"/>
+              <a:t>node</a:t>
+            </a:r>
+            <a:r>
+              <a:rPr lang="zh-TW" altLang="en-US" smtClean="0"/>
+              <a:t>加入</a:t>
+            </a:r>
+            <a:r>
+              <a:rPr lang="en-US" altLang="zh-TW" smtClean="0"/>
+              <a:t>articleContent</a:t>
+            </a:r>
+          </a:p>
+          <a:p>
+            <a:pPr lvl="2"/>
+            <a:endParaRPr lang="en-US" altLang="zh-TW" smtClean="0"/>
+          </a:p>
+        </p:txBody>
+      </p:sp>
+    </p:spTree>
+  </p:cSld>
+  <p:clrMapOvr>
+    <a:masterClrMapping/>
+  </p:clrMapOvr>
+</p:sld>
+</file>
+
+<file path=ppt/slides/slide17.xml><?xml version="1.0" encoding="utf-8"?>
+<p:sld xmlns:a="http://schemas.openxmlformats.org/drawingml/2006/main" xmlns:r="http://schemas.openxmlformats.org/officeDocument/2006/relationships" xmlns:p="http://schemas.openxmlformats.org/presentationml/2006/main">
+  <p:cSld>
+    <p:spTree>
+      <p:nvGrpSpPr>
+        <p:cNvPr id="1" name=""/>
+        <p:cNvGrpSpPr/>
+        <p:nvPr/>
+      </p:nvGrpSpPr>
+      <p:grpSpPr>
+        <a:xfrm>
+          <a:off x="0" y="0"/>
+          <a:ext cx="0" cy="0"/>
+          <a:chOff x="0" y="0"/>
+          <a:chExt cx="0" cy="0"/>
+        </a:xfrm>
+      </p:grpSpPr>
+      <p:sp>
+        <p:nvSpPr>
+          <p:cNvPr id="2" name="標題 1"/>
+          <p:cNvSpPr>
+            <a:spLocks noGrp="1"/>
+          </p:cNvSpPr>
+          <p:nvPr>
+            <p:ph type="title"/>
+          </p:nvPr>
+        </p:nvSpPr>
+        <p:spPr/>
+        <p:txBody>
+          <a:bodyPr/>
+          <a:lstStyle/>
+          <a:p>
+            <a:r>
+              <a:rPr lang="en-US" altLang="zh-TW" smtClean="0"/>
+              <a:t>Extract Content</a:t>
+            </a:r>
+            <a:endParaRPr lang="zh-TW" altLang="en-US"/>
+          </a:p>
+        </p:txBody>
+      </p:sp>
+      <p:sp>
+        <p:nvSpPr>
+          <p:cNvPr id="3" name="內容版面配置區 2"/>
+          <p:cNvSpPr>
+            <a:spLocks noGrp="1"/>
+          </p:cNvSpPr>
+          <p:nvPr>
+            <p:ph idx="1"/>
+          </p:nvPr>
+        </p:nvSpPr>
+        <p:spPr/>
+        <p:txBody>
+          <a:bodyPr>
+            <a:normAutofit/>
+          </a:bodyPr>
+          <a:lstStyle/>
+          <a:p>
+            <a:endParaRPr lang="en-US" altLang="zh-TW" smtClean="0"/>
+          </a:p>
+          <a:p>
+            <a:r>
+              <a:rPr lang="zh-TW" altLang="en-US" smtClean="0"/>
+              <a:t>刪除 </a:t>
+            </a:r>
+            <a:r>
+              <a:rPr lang="en-US" altLang="zh-TW" smtClean="0"/>
+              <a:t>articleContent</a:t>
+            </a:r>
+          </a:p>
+          <a:p>
+            <a:r>
+              <a:rPr lang="en-US" altLang="zh-TW" smtClean="0"/>
+              <a:t>	</a:t>
+            </a:r>
+            <a:r>
+              <a:rPr lang="zh-TW" altLang="en-US" smtClean="0"/>
+              <a:t>把</a:t>
+            </a:r>
+            <a:r>
+              <a:rPr lang="zh-TW" altLang="en-US" smtClean="0"/>
+              <a:t>空白字元及空行刪掉</a:t>
+            </a:r>
+            <a:r>
+              <a:rPr lang="en-US" altLang="zh-TW" smtClean="0"/>
+              <a:t>	/(&lt;br\s*\/?&gt;(\s|&amp;nbsp;?)*){1,}/g</a:t>
+            </a:r>
+            <a:endParaRPr lang="zh-TW" altLang="en-US" smtClean="0"/>
+          </a:p>
+          <a:p>
+            <a:pPr>
+              <a:buNone/>
+            </a:pPr>
+            <a:r>
+              <a:rPr lang="en-US" altLang="zh-TW" smtClean="0"/>
+              <a:t>		</a:t>
+            </a:r>
+            <a:r>
+              <a:rPr lang="zh-TW" altLang="en-US" smtClean="0"/>
+              <a:t>刪除</a:t>
+            </a:r>
+            <a:r>
+              <a:rPr lang="en-US" altLang="zh-TW" smtClean="0"/>
+              <a:t>Style, form, object, h1, h2(if only one), iframe, head(</a:t>
+            </a:r>
+            <a:r>
+              <a:rPr lang="zh-TW" altLang="en-US" smtClean="0"/>
+              <a:t>包含其子節點</a:t>
+            </a:r>
+            <a:r>
+              <a:rPr lang="en-US" altLang="zh-TW" smtClean="0"/>
+              <a:t>)</a:t>
+            </a:r>
+          </a:p>
+          <a:p>
+            <a:pPr>
+              <a:buNone/>
+            </a:pPr>
+            <a:r>
+              <a:rPr lang="en-US" altLang="zh-TW" smtClean="0"/>
+              <a:t>		</a:t>
+            </a:r>
+            <a:r>
+              <a:rPr lang="zh-TW" altLang="en-US" smtClean="0"/>
+              <a:t>如果節點有影片就不要刪</a:t>
+            </a:r>
+            <a:r>
+              <a:rPr lang="en-US" altLang="zh-TW" smtClean="0"/>
+              <a:t>		/http</a:t>
+            </a:r>
+            <a:r>
+              <a:rPr lang="en-US" altLang="zh-TW" smtClean="0"/>
+              <a:t>:\/\/(www\.)?(youtube|vimeo|youku|tudou|56|yinyuetai</a:t>
+            </a:r>
+            <a:r>
+              <a:rPr lang="en-US" altLang="zh-TW" smtClean="0"/>
+              <a:t>)\.</a:t>
+            </a:r>
+            <a:r>
+              <a:rPr lang="en-US" altLang="zh-TW" smtClean="0"/>
+              <a:t>com/I</a:t>
+            </a:r>
+            <a:endParaRPr lang="en-US" altLang="zh-TW" smtClean="0"/>
+          </a:p>
+          <a:p>
+            <a:pPr>
+              <a:buNone/>
+            </a:pPr>
+            <a:r>
+              <a:rPr lang="en-US" altLang="zh-TW" smtClean="0"/>
+              <a:t>	</a:t>
+            </a:r>
+            <a:r>
+              <a:rPr lang="en-US" altLang="zh-TW" smtClean="0"/>
+              <a:t>	</a:t>
+            </a:r>
+            <a:r>
+              <a:rPr lang="zh-TW" altLang="en-US" smtClean="0"/>
+              <a:t>有條件的刪除 </a:t>
+            </a:r>
+            <a:r>
+              <a:rPr lang="en-US" altLang="zh-TW" smtClean="0"/>
+              <a:t>table, ul</a:t>
+            </a:r>
+            <a:r>
+              <a:rPr lang="en-US" altLang="zh-TW" smtClean="0"/>
+              <a:t>, </a:t>
+            </a:r>
+            <a:r>
+              <a:rPr lang="en-US" altLang="zh-TW" smtClean="0"/>
+              <a:t>div</a:t>
+            </a:r>
+          </a:p>
+          <a:p>
+            <a:pPr>
+              <a:buNone/>
+            </a:pPr>
+            <a:r>
+              <a:rPr lang="en-US" altLang="zh-TW" smtClean="0"/>
+              <a:t>	</a:t>
+            </a:r>
+            <a:r>
+              <a:rPr lang="en-US" altLang="zh-TW" smtClean="0"/>
+              <a:t>	</a:t>
+            </a:r>
+            <a:r>
+              <a:rPr lang="zh-TW" altLang="en-US" smtClean="0"/>
+              <a:t>刪除沒有圖片</a:t>
+            </a:r>
+            <a:r>
+              <a:rPr lang="en-US" altLang="zh-TW" smtClean="0"/>
+              <a:t>, embed, </a:t>
+            </a:r>
+            <a:r>
+              <a:rPr lang="zh-TW" altLang="en-US" smtClean="0"/>
+              <a:t>內文</a:t>
+            </a:r>
+            <a:r>
+              <a:rPr lang="zh-TW" altLang="en-US" smtClean="0"/>
+              <a:t>的</a:t>
+            </a:r>
+            <a:r>
+              <a:rPr lang="en-US" altLang="zh-TW" smtClean="0"/>
+              <a:t>P tag</a:t>
+            </a:r>
+            <a:endParaRPr lang="en-US" altLang="zh-TW" smtClean="0"/>
+          </a:p>
+          <a:p>
+            <a:pPr>
+              <a:buNone/>
+            </a:pPr>
+            <a:r>
+              <a:rPr lang="en-US" altLang="zh-TW" smtClean="0"/>
+              <a:t>	</a:t>
+            </a:r>
+            <a:r>
+              <a:rPr lang="en-US" altLang="zh-TW" smtClean="0"/>
+              <a:t>	</a:t>
+            </a:r>
+            <a:r>
+              <a:rPr lang="en-US" altLang="zh-TW" smtClean="0"/>
+              <a:t>cleanSingleHeader : Remove </a:t>
+            </a:r>
+            <a:r>
+              <a:rPr lang="en-US" altLang="zh-TW" smtClean="0"/>
+              <a:t>the header that doesn't have next </a:t>
+            </a:r>
+            <a:r>
+              <a:rPr lang="en-US" altLang="zh-TW" smtClean="0"/>
+              <a:t>sibling</a:t>
+            </a:r>
+            <a:r>
+              <a:rPr lang="en-US" altLang="zh-TW" smtClean="0"/>
+              <a:t>. </a:t>
+            </a:r>
+            <a:endParaRPr lang="en-US" altLang="zh-TW" smtClean="0"/>
+          </a:p>
+        </p:txBody>
+      </p:sp>
+    </p:spTree>
+  </p:cSld>
+  <p:clrMapOvr>
+    <a:masterClrMapping/>
+  </p:clrMapOvr>
+</p:sld>
+</file>
+
+<file path=ppt/slides/slide18.xml><?xml version="1.0" encoding="utf-8"?>
+<p:sld xmlns:a="http://schemas.openxmlformats.org/drawingml/2006/main" xmlns:r="http://schemas.openxmlformats.org/officeDocument/2006/relationships" xmlns:p="http://schemas.openxmlformats.org/presentationml/2006/main">
+  <p:cSld>
+    <p:spTree>
+      <p:nvGrpSpPr>
+        <p:cNvPr id="1" name=""/>
+        <p:cNvGrpSpPr/>
+        <p:nvPr/>
+      </p:nvGrpSpPr>
+      <p:grpSpPr>
+        <a:xfrm>
+          <a:off x="0" y="0"/>
+          <a:ext cx="0" cy="0"/>
+          <a:chOff x="0" y="0"/>
+          <a:chExt cx="0" cy="0"/>
+        </a:xfrm>
+      </p:grpSpPr>
+      <p:sp>
+        <p:nvSpPr>
+          <p:cNvPr id="2" name="標題 1"/>
+          <p:cNvSpPr>
+            <a:spLocks noGrp="1"/>
+          </p:cNvSpPr>
+          <p:nvPr>
+            <p:ph type="title"/>
+          </p:nvPr>
+        </p:nvSpPr>
+        <p:spPr/>
+        <p:txBody>
+          <a:bodyPr/>
+          <a:lstStyle/>
+          <a:p>
+            <a:r>
+              <a:rPr lang="en-US" altLang="zh-TW" smtClean="0"/>
+              <a:t>Extract Content</a:t>
+            </a:r>
+            <a:endParaRPr lang="zh-TW" altLang="en-US"/>
+          </a:p>
+        </p:txBody>
+      </p:sp>
+      <p:sp>
+        <p:nvSpPr>
+          <p:cNvPr id="3" name="內容版面配置區 2"/>
+          <p:cNvSpPr>
+            <a:spLocks noGrp="1"/>
+          </p:cNvSpPr>
+          <p:nvPr>
+            <p:ph idx="1"/>
+          </p:nvPr>
+        </p:nvSpPr>
+        <p:spPr/>
+        <p:txBody>
+          <a:bodyPr>
+            <a:normAutofit/>
+          </a:bodyPr>
+          <a:lstStyle/>
+          <a:p>
+            <a:pPr>
+              <a:buNone/>
+            </a:pPr>
+            <a:r>
+              <a:rPr lang="en-US" altLang="zh-TW" smtClean="0"/>
+              <a:t>	</a:t>
+            </a:r>
+            <a:r>
+              <a:rPr lang="zh-TW" altLang="en-US" smtClean="0"/>
+              <a:t>條件刪除</a:t>
+            </a:r>
+            <a:endParaRPr lang="en-US" altLang="zh-TW" smtClean="0"/>
+          </a:p>
+          <a:p>
+            <a:pPr>
+              <a:buNone/>
+            </a:pPr>
+            <a:r>
+              <a:rPr lang="en-US" altLang="zh-TW" smtClean="0"/>
+              <a:t>		weigh &lt; 0</a:t>
+            </a:r>
+          </a:p>
+          <a:p>
+            <a:pPr>
+              <a:buNone/>
+            </a:pPr>
+            <a:r>
+              <a:rPr lang="en-US" altLang="zh-TW" smtClean="0"/>
+              <a:t>		img</a:t>
+            </a:r>
+            <a:r>
+              <a:rPr lang="zh-TW" altLang="en-US" smtClean="0"/>
+              <a:t>  </a:t>
+            </a:r>
+            <a:r>
+              <a:rPr lang="en-US" altLang="zh-TW" smtClean="0"/>
+              <a:t>&gt; 1</a:t>
+            </a:r>
+            <a:r>
+              <a:rPr lang="zh-TW" altLang="en-US" smtClean="0"/>
+              <a:t> </a:t>
+            </a:r>
+            <a:r>
+              <a:rPr lang="en-US" altLang="zh-TW" smtClean="0"/>
+              <a:t>and img &gt; p</a:t>
+            </a:r>
+          </a:p>
+          <a:p>
+            <a:pPr>
+              <a:buNone/>
+            </a:pPr>
+            <a:r>
+              <a:rPr lang="en-US" altLang="zh-TW" smtClean="0"/>
+              <a:t>		tag != ul or ol</a:t>
+            </a:r>
+            <a:r>
+              <a:rPr lang="zh-TW" altLang="en-US" smtClean="0"/>
+              <a:t>，</a:t>
+            </a:r>
+            <a:r>
+              <a:rPr lang="en-US" altLang="zh-TW" smtClean="0"/>
+              <a:t>li &gt; p</a:t>
+            </a:r>
+          </a:p>
+          <a:p>
+            <a:pPr>
+              <a:buNone/>
+            </a:pPr>
+            <a:r>
+              <a:rPr lang="en-US" altLang="zh-TW" smtClean="0"/>
+              <a:t>		input &gt; round (p / 3)</a:t>
+            </a:r>
+          </a:p>
+          <a:p>
+            <a:pPr>
+              <a:buNone/>
+            </a:pPr>
+            <a:r>
+              <a:rPr lang="en-US" altLang="zh-TW" smtClean="0"/>
+              <a:t>		contentLengh &lt; 25 and ( img = 0 or img &gt; 2)</a:t>
+            </a:r>
+          </a:p>
+          <a:p>
+            <a:pPr>
+              <a:buNone/>
+            </a:pPr>
+            <a:r>
+              <a:rPr lang="en-US" altLang="zh-TW" smtClean="0"/>
+              <a:t>		weight &lt; 25 and linkDesity &gt; 0.2</a:t>
+            </a:r>
+          </a:p>
+          <a:p>
+            <a:pPr>
+              <a:buNone/>
+            </a:pPr>
+            <a:r>
+              <a:rPr lang="en-US" altLang="zh-TW" smtClean="0"/>
+              <a:t>		weight &gt;= 25 and linkDesity &gt; 0.5</a:t>
+            </a:r>
+          </a:p>
+          <a:p>
+            <a:pPr>
+              <a:buNone/>
+            </a:pPr>
+            <a:r>
+              <a:rPr lang="en-US" altLang="zh-TW" smtClean="0"/>
+              <a:t>		(embedCount = 1 and contentLength &lt; 75 ) or embedCount &gt; 1</a:t>
+            </a:r>
+          </a:p>
+          <a:p>
+            <a:pPr>
+              <a:buNone/>
+            </a:pPr>
+            <a:endParaRPr lang="en-US" altLang="zh-TW" smtClean="0"/>
+          </a:p>
+        </p:txBody>
+      </p:sp>
+    </p:spTree>
+  </p:cSld>
+  <p:clrMapOvr>
+    <a:masterClrMapping/>
+  </p:clrMapOvr>
+</p:sld>
+</file>
+
+<file path=ppt/slides/slide19.xml><?xml version="1.0" encoding="utf-8"?>
+<p:sld xmlns:a="http://schemas.openxmlformats.org/drawingml/2006/main" xmlns:r="http://schemas.openxmlformats.org/officeDocument/2006/relationships" xmlns:p="http://schemas.openxmlformats.org/presentationml/2006/main">
+  <p:cSld>
+    <p:spTree>
+      <p:nvGrpSpPr>
+        <p:cNvPr id="1" name=""/>
+        <p:cNvGrpSpPr/>
+        <p:nvPr/>
+      </p:nvGrpSpPr>
+      <p:grpSpPr>
+        <a:xfrm>
+          <a:off x="0" y="0"/>
+          <a:ext cx="0" cy="0"/>
+          <a:chOff x="0" y="0"/>
+          <a:chExt cx="0" cy="0"/>
+        </a:xfrm>
+      </p:grpSpPr>
+      <p:sp>
+        <p:nvSpPr>
+          <p:cNvPr id="2" name="標題 1"/>
+          <p:cNvSpPr>
+            <a:spLocks noGrp="1"/>
+          </p:cNvSpPr>
+          <p:nvPr>
+            <p:ph type="title"/>
+          </p:nvPr>
+        </p:nvSpPr>
+        <p:spPr/>
+        <p:txBody>
+          <a:bodyPr/>
+          <a:lstStyle/>
+          <a:p>
+            <a:r>
+              <a:rPr lang="en-US" altLang="zh-TW" smtClean="0"/>
+              <a:t>Extract Content</a:t>
+            </a:r>
+            <a:endParaRPr lang="zh-TW" altLang="en-US"/>
+          </a:p>
+        </p:txBody>
+      </p:sp>
+      <p:sp>
+        <p:nvSpPr>
+          <p:cNvPr id="3" name="內容版面配置區 2"/>
+          <p:cNvSpPr>
+            <a:spLocks noGrp="1"/>
+          </p:cNvSpPr>
+          <p:nvPr>
+            <p:ph idx="1"/>
+          </p:nvPr>
+        </p:nvSpPr>
+        <p:spPr/>
+        <p:txBody>
+          <a:bodyPr>
+            <a:normAutofit/>
+          </a:bodyPr>
+          <a:lstStyle/>
+          <a:p>
+            <a:pPr>
+              <a:buNone/>
+            </a:pPr>
+            <a:r>
+              <a:rPr lang="en-US" altLang="zh-TW" smtClean="0"/>
+              <a:t>	</a:t>
+            </a:r>
+          </a:p>
+          <a:p>
+            <a:pPr>
+              <a:buNone/>
+            </a:pPr>
+            <a:r>
+              <a:rPr lang="en-US" altLang="zh-TW" smtClean="0"/>
+              <a:t>	</a:t>
+            </a:r>
+            <a:r>
+              <a:rPr lang="zh-TW" altLang="en-US" smtClean="0"/>
+              <a:t>整理 </a:t>
+            </a:r>
+            <a:r>
+              <a:rPr lang="en-US" altLang="zh-TW" smtClean="0"/>
+              <a:t>articleContent</a:t>
+            </a:r>
+          </a:p>
+          <a:p>
+            <a:pPr>
+              <a:buNone/>
+            </a:pPr>
+            <a:endParaRPr lang="en-US" altLang="zh-TW" smtClean="0"/>
+          </a:p>
+          <a:p>
+            <a:pPr>
+              <a:buNone/>
+            </a:pPr>
+            <a:r>
+              <a:rPr lang="en-US" altLang="zh-TW" smtClean="0"/>
+              <a:t>		</a:t>
+            </a:r>
+            <a:r>
+              <a:rPr lang="zh-TW" altLang="en-US" smtClean="0"/>
+              <a:t>把相對路徑換成絕對路徑</a:t>
+            </a:r>
+            <a:endParaRPr lang="en-US" altLang="zh-TW" smtClean="0"/>
+          </a:p>
+          <a:p>
+            <a:pPr>
+              <a:buNone/>
+            </a:pPr>
+            <a:r>
+              <a:rPr lang="zh-TW" altLang="en-US" smtClean="0"/>
+              <a:t>		</a:t>
+            </a:r>
+            <a:endParaRPr lang="en-US" altLang="zh-TW" smtClean="0"/>
+          </a:p>
+          <a:p>
+            <a:pPr>
+              <a:buNone/>
+            </a:pPr>
+            <a:r>
+              <a:rPr lang="en-US" altLang="zh-TW" smtClean="0"/>
+              <a:t>		</a:t>
+            </a:r>
+            <a:r>
+              <a:rPr lang="zh-TW" altLang="en-US" smtClean="0"/>
+              <a:t>把</a:t>
+            </a:r>
+            <a:r>
+              <a:rPr lang="en-US" altLang="zh-TW" smtClean="0"/>
+              <a:t>P</a:t>
+            </a:r>
+            <a:r>
+              <a:rPr lang="zh-TW" altLang="en-US" smtClean="0"/>
+              <a:t>與</a:t>
+            </a:r>
+            <a:r>
+              <a:rPr lang="en-US" altLang="zh-TW" smtClean="0"/>
+              <a:t>P</a:t>
+            </a:r>
+            <a:r>
+              <a:rPr lang="zh-TW" altLang="en-US" smtClean="0"/>
+              <a:t>之間的多餘空白及換行刪除</a:t>
+            </a:r>
+          </a:p>
+          <a:p>
+            <a:pPr>
+              <a:buNone/>
+            </a:pPr>
+            <a:r>
+              <a:rPr lang="zh-TW" altLang="en-US" smtClean="0"/>
+              <a:t>		</a:t>
+            </a:r>
+            <a:r>
+              <a:rPr lang="en-US" altLang="zh-TW" smtClean="0"/>
+              <a:t>replace(/&lt;br[^&gt;]*&gt;\s*&lt;p/gi, '&lt;</a:t>
+            </a:r>
+            <a:r>
+              <a:rPr lang="en-US" altLang="zh-TW" smtClean="0"/>
+              <a:t>p</a:t>
+            </a:r>
+            <a:r>
+              <a:rPr lang="en-US" altLang="zh-TW" smtClean="0"/>
+              <a:t>');</a:t>
+            </a:r>
+            <a:r>
+              <a:rPr lang="en-US" altLang="zh-TW" smtClean="0"/>
+              <a:t>	</a:t>
+            </a:r>
+          </a:p>
+        </p:txBody>
+      </p:sp>
+    </p:spTree>
+  </p:cSld>
+  <p:clrMapOvr>
+    <a:masterClrMapping/>
+  </p:clrMapOvr>
 </p:sld>
 </file>
 
@@ -4559,9 +6919,16 @@
           <a:bodyPr/>
           <a:lstStyle/>
           <a:p>
+            <a:endParaRPr lang="en-US" altLang="zh-TW" smtClean="0"/>
+          </a:p>
+          <a:p>
+            <a:r>
+              <a:rPr lang="zh-TW" altLang="zh-TW" smtClean="0"/>
+              <a:t>四</a:t>
+            </a:r>
             <a:r>
               <a:rPr lang="zh-TW" altLang="zh-TW" dirty="0"/>
-              <a:t>四電資四</a:t>
+              <a:t>電資四</a:t>
             </a:r>
             <a:r>
               <a:rPr lang="en-US" altLang="zh-TW" dirty="0"/>
@@ -4638,7 +7005,7 @@
     </p:spTree>
     <p:extLst>
       <p:ext uri="{BB962C8B-B14F-4D97-AF65-F5344CB8AC3E}">
-        <p14:creationId xmlns:p14="http://schemas.microsoft.com/office/powerpoint/2010/main" val="2174484790"/>
+        <p14:creationId xmlns:p14="http://schemas.microsoft.com/office/powerpoint/2010/main" xmlns="" val="2174484790"/>
       </p:ext>
     </p:extLst>
   </p:cSld>
@@ -4652,6 +7019,294 @@
       </p:par>
     </p:tnLst>
   </p:timing>
+</p:sld>
+</file>
+
+<file path=ppt/slides/slide20.xml><?xml version="1.0" encoding="utf-8"?>
+<p:sld xmlns:a="http://schemas.openxmlformats.org/drawingml/2006/main" xmlns:r="http://schemas.openxmlformats.org/officeDocument/2006/relationships" xmlns:p="http://schemas.openxmlformats.org/presentationml/2006/main">
+  <p:cSld>
+    <p:spTree>
+      <p:nvGrpSpPr>
+        <p:cNvPr id="1" name=""/>
+        <p:cNvGrpSpPr/>
+        <p:nvPr/>
+      </p:nvGrpSpPr>
+      <p:grpSpPr>
+        <a:xfrm>
+          <a:off x="0" y="0"/>
+          <a:ext cx="0" cy="0"/>
+          <a:chOff x="0" y="0"/>
+          <a:chExt cx="0" cy="0"/>
+        </a:xfrm>
+      </p:grpSpPr>
+      <p:sp>
+        <p:nvSpPr>
+          <p:cNvPr id="2" name="標題 1"/>
+          <p:cNvSpPr>
+            <a:spLocks noGrp="1"/>
+          </p:cNvSpPr>
+          <p:nvPr>
+            <p:ph type="title"/>
+          </p:nvPr>
+        </p:nvSpPr>
+        <p:spPr/>
+        <p:txBody>
+          <a:bodyPr/>
+          <a:lstStyle/>
+          <a:p>
+            <a:r>
+              <a:rPr lang="en-US" altLang="zh-TW" smtClean="0"/>
+              <a:t>Test Webpage</a:t>
+            </a:r>
+            <a:endParaRPr lang="zh-TW" altLang="en-US"/>
+          </a:p>
+        </p:txBody>
+      </p:sp>
+      <p:sp>
+        <p:nvSpPr>
+          <p:cNvPr id="3" name="內容版面配置區 2"/>
+          <p:cNvSpPr>
+            <a:spLocks noGrp="1"/>
+          </p:cNvSpPr>
+          <p:nvPr>
+            <p:ph idx="1"/>
+          </p:nvPr>
+        </p:nvSpPr>
+        <p:spPr/>
+        <p:txBody>
+          <a:bodyPr/>
+          <a:lstStyle/>
+          <a:p>
+            <a:endParaRPr lang="en-US" altLang="zh-TW" smtClean="0">
+              <a:hlinkClick r:id="rId2"/>
+            </a:endParaRPr>
+          </a:p>
+          <a:p>
+            <a:r>
+              <a:rPr lang="en-US" altLang="zh-TW" smtClean="0">
+                <a:hlinkClick r:id="rId2"/>
+              </a:rPr>
+              <a:t>http</a:t>
+            </a:r>
+            <a:r>
+              <a:rPr lang="en-US" altLang="zh-TW" smtClean="0">
+                <a:hlinkClick r:id="rId2"/>
+              </a:rPr>
+              <a:t>://</a:t>
+            </a:r>
+            <a:r>
+              <a:rPr lang="en-US" altLang="zh-TW" smtClean="0">
+                <a:hlinkClick r:id="rId2"/>
+              </a:rPr>
+              <a:t>news.ltn.com.tw/news/life/breakingnews/1035284</a:t>
+            </a:r>
+            <a:r>
+              <a:rPr lang="en-US" altLang="zh-TW" smtClean="0"/>
+              <a:t> </a:t>
+            </a:r>
+            <a:endParaRPr lang="en-US" altLang="zh-TW" smtClean="0"/>
+          </a:p>
+          <a:p>
+            <a:endParaRPr lang="en-US" altLang="zh-TW" smtClean="0"/>
+          </a:p>
+          <a:p>
+            <a:r>
+              <a:rPr lang="en-US" altLang="zh-TW" smtClean="0">
+                <a:hlinkClick r:id="rId3"/>
+              </a:rPr>
+              <a:t>http</a:t>
+            </a:r>
+            <a:r>
+              <a:rPr lang="en-US" altLang="zh-TW" smtClean="0">
+                <a:hlinkClick r:id="rId3"/>
+              </a:rPr>
+              <a:t>://</a:t>
+            </a:r>
+            <a:r>
+              <a:rPr lang="en-US" altLang="zh-TW" smtClean="0">
+                <a:hlinkClick r:id="rId3"/>
+              </a:rPr>
+              <a:t>www.inside.com.tw/2014/06/19/tmi-invested-swivl-and-spire</a:t>
+            </a:r>
+            <a:r>
+              <a:rPr lang="en-US" altLang="zh-TW" smtClean="0"/>
+              <a:t> </a:t>
+            </a:r>
+            <a:endParaRPr lang="en-US" altLang="zh-TW" smtClean="0"/>
+          </a:p>
+          <a:p>
+            <a:endParaRPr lang="en-US" altLang="zh-TW" smtClean="0"/>
+          </a:p>
+          <a:p>
+            <a:r>
+              <a:rPr lang="en-US" altLang="zh-TW" smtClean="0">
+                <a:hlinkClick r:id="rId4"/>
+              </a:rPr>
+              <a:t>http</a:t>
+            </a:r>
+            <a:r>
+              <a:rPr lang="en-US" altLang="zh-TW" smtClean="0">
+                <a:hlinkClick r:id="rId4"/>
+              </a:rPr>
+              <a:t>://</a:t>
+            </a:r>
+            <a:r>
+              <a:rPr lang="en-US" altLang="zh-TW" smtClean="0">
+                <a:hlinkClick r:id="rId4"/>
+              </a:rPr>
+              <a:t>www.inote.tw/aboutanimalszr</a:t>
+            </a:r>
+            <a:endParaRPr lang="en-US" altLang="zh-TW" smtClean="0"/>
+          </a:p>
+          <a:p>
+            <a:endParaRPr lang="zh-TW" altLang="en-US"/>
+          </a:p>
+        </p:txBody>
+      </p:sp>
+    </p:spTree>
+  </p:cSld>
+  <p:clrMapOvr>
+    <a:masterClrMapping/>
+  </p:clrMapOvr>
+</p:sld>
+</file>
+
+<file path=ppt/slides/slide21.xml><?xml version="1.0" encoding="utf-8"?>
+<p:sld xmlns:a="http://schemas.openxmlformats.org/drawingml/2006/main" xmlns:r="http://schemas.openxmlformats.org/officeDocument/2006/relationships" xmlns:p="http://schemas.openxmlformats.org/presentationml/2006/main">
+  <p:cSld>
+    <p:spTree>
+      <p:nvGrpSpPr>
+        <p:cNvPr id="1" name=""/>
+        <p:cNvGrpSpPr/>
+        <p:nvPr/>
+      </p:nvGrpSpPr>
+      <p:grpSpPr>
+        <a:xfrm>
+          <a:off x="0" y="0"/>
+          <a:ext cx="0" cy="0"/>
+          <a:chOff x="0" y="0"/>
+          <a:chExt cx="0" cy="0"/>
+        </a:xfrm>
+      </p:grpSpPr>
+      <p:sp>
+        <p:nvSpPr>
+          <p:cNvPr id="2" name="標題 1"/>
+          <p:cNvSpPr>
+            <a:spLocks noGrp="1"/>
+          </p:cNvSpPr>
+          <p:nvPr>
+            <p:ph type="title"/>
+          </p:nvPr>
+        </p:nvSpPr>
+        <p:spPr/>
+        <p:txBody>
+          <a:bodyPr/>
+          <a:lstStyle/>
+          <a:p>
+            <a:r>
+              <a:rPr lang="en-US" altLang="zh-TW" smtClean="0"/>
+              <a:t>Reference</a:t>
+            </a:r>
+            <a:endParaRPr lang="zh-TW" altLang="en-US"/>
+          </a:p>
+        </p:txBody>
+      </p:sp>
+      <p:sp>
+        <p:nvSpPr>
+          <p:cNvPr id="3" name="內容版面配置區 2"/>
+          <p:cNvSpPr>
+            <a:spLocks noGrp="1"/>
+          </p:cNvSpPr>
+          <p:nvPr>
+            <p:ph idx="1"/>
+          </p:nvPr>
+        </p:nvSpPr>
+        <p:spPr/>
+        <p:txBody>
+          <a:bodyPr/>
+          <a:lstStyle/>
+          <a:p>
+            <a:endParaRPr lang="en-US" altLang="zh-TW" smtClean="0">
+              <a:hlinkClick r:id="rId2"/>
+            </a:endParaRPr>
+          </a:p>
+          <a:p>
+            <a:r>
+              <a:rPr lang="en-US" altLang="zh-TW" smtClean="0">
+                <a:hlinkClick r:id="rId2"/>
+              </a:rPr>
+              <a:t>https</a:t>
+            </a:r>
+            <a:r>
+              <a:rPr lang="en-US" altLang="zh-TW" smtClean="0">
+                <a:hlinkClick r:id="rId2"/>
+              </a:rPr>
+              <a:t>://code.google.com/p/arc90labs-readability/</a:t>
+            </a:r>
+          </a:p>
+          <a:p>
+            <a:endParaRPr lang="en-US" altLang="zh-TW" smtClean="0">
+              <a:hlinkClick r:id="rId2"/>
+            </a:endParaRPr>
+          </a:p>
+          <a:p>
+            <a:r>
+              <a:rPr lang="en-US" altLang="zh-TW" smtClean="0">
+                <a:hlinkClick r:id="rId2"/>
+              </a:rPr>
+              <a:t>http</a:t>
+            </a:r>
+            <a:r>
+              <a:rPr lang="en-US" altLang="zh-TW" smtClean="0">
+                <a:hlinkClick r:id="rId2"/>
+              </a:rPr>
+              <a:t>://</a:t>
+            </a:r>
+            <a:r>
+              <a:rPr lang="en-US" altLang="zh-TW" smtClean="0">
+                <a:hlinkClick r:id="rId2"/>
+              </a:rPr>
+              <a:t>mobile-web-dev.blogspot.tw/2012/09/html.html</a:t>
+            </a:r>
+            <a:endParaRPr lang="en-US" altLang="zh-TW" smtClean="0"/>
+          </a:p>
+          <a:p>
+            <a:endParaRPr lang="en-US" altLang="zh-TW" smtClean="0"/>
+          </a:p>
+          <a:p>
+            <a:r>
+              <a:rPr lang="en-US" altLang="zh-TW" smtClean="0">
+                <a:hlinkClick r:id="rId3"/>
+              </a:rPr>
+              <a:t>https</a:t>
+            </a:r>
+            <a:r>
+              <a:rPr lang="en-US" altLang="zh-TW" smtClean="0">
+                <a:hlinkClick r:id="rId3"/>
+              </a:rPr>
+              <a:t>://</a:t>
+            </a:r>
+            <a:r>
+              <a:rPr lang="en-US" altLang="zh-TW" smtClean="0">
+                <a:hlinkClick r:id="rId3"/>
+              </a:rPr>
+              <a:t>github.com/luin/node-readability</a:t>
+            </a:r>
+            <a:endParaRPr lang="en-US" altLang="zh-TW" smtClean="0"/>
+          </a:p>
+          <a:p>
+            <a:endParaRPr lang="en-US" altLang="zh-TW" smtClean="0"/>
+          </a:p>
+          <a:p>
+            <a:endParaRPr lang="zh-TW" altLang="en-US"/>
+          </a:p>
+        </p:txBody>
+      </p:sp>
+    </p:spTree>
+  </p:cSld>
+  <p:clrMapOvr>
+    <a:masterClrMapping/>
+  </p:clrMapOvr>
 </p:sld>
 </file>
 
@@ -4717,7 +7372,7 @@
     </p:spTree>
     <p:extLst>
       <p:ext uri="{BB962C8B-B14F-4D97-AF65-F5344CB8AC3E}">
-        <p14:creationId xmlns:p14="http://schemas.microsoft.com/office/powerpoint/2010/main" val="2437824965"/>
+        <p14:creationId xmlns:p14="http://schemas.microsoft.com/office/powerpoint/2010/main" xmlns="" val="2437824965"/>
       </p:ext>
     </p:extLst>
   </p:cSld>
@@ -4785,10 +7440,10 @@
           </p:nvPr>
         </p:nvPicPr>
         <p:blipFill>
-          <a:blip r:embed="rId2">
+          <a:blip r:embed="rId2" cstate="print">
             <a:extLst>
               <a:ext uri="{28A0092B-C50C-407E-A947-70E740481C1C}">
-                <a14:useLocalDpi xmlns:a14="http://schemas.microsoft.com/office/drawing/2010/main" val="0"/>
+                <a14:useLocalDpi xmlns:a14="http://schemas.microsoft.com/office/drawing/2010/main" xmlns="" val="0"/>
               </a:ext>
             </a:extLst>
           </a:blip>
@@ -4812,10 +7467,10 @@
           <p:nvPr/>
         </p:nvPicPr>
         <p:blipFill>
-          <a:blip r:embed="rId3">
+          <a:blip r:embed="rId3" cstate="print">
             <a:extLst>
               <a:ext uri="{28A0092B-C50C-407E-A947-70E740481C1C}">
-                <a14:useLocalDpi xmlns:a14="http://schemas.microsoft.com/office/drawing/2010/main" val="0"/>
+                <a14:useLocalDpi xmlns:a14="http://schemas.microsoft.com/office/drawing/2010/main" xmlns="" val="0"/>
               </a:ext>
             </a:extLst>
           </a:blip>
@@ -4836,7 +7491,7 @@
     </p:spTree>
     <p:extLst>
       <p:ext uri="{BB962C8B-B14F-4D97-AF65-F5344CB8AC3E}">
-        <p14:creationId xmlns:p14="http://schemas.microsoft.com/office/powerpoint/2010/main" val="3890273592"/>
+        <p14:creationId xmlns:p14="http://schemas.microsoft.com/office/powerpoint/2010/main" xmlns="" val="3890273592"/>
       </p:ext>
     </p:extLst>
   </p:cSld>
@@ -4907,7 +7562,7 @@
           <a:blip r:embed="rId2" cstate="print">
             <a:extLst>
               <a:ext uri="{28A0092B-C50C-407E-A947-70E740481C1C}">
-                <a14:useLocalDpi xmlns:a14="http://schemas.microsoft.com/office/drawing/2010/main" val="0"/>
+                <a14:useLocalDpi xmlns:a14="http://schemas.microsoft.com/office/drawing/2010/main" xmlns="" val="0"/>
               </a:ext>
             </a:extLst>
           </a:blip>
@@ -4927,7 +7582,7 @@
           <a:noFill/>
           <a:extLst>
             <a:ext uri="{909E8E84-426E-40DD-AFC4-6F175D3DCCD1}">
-              <a14:hiddenFill xmlns:a14="http://schemas.microsoft.com/office/drawing/2010/main">
+              <a14:hiddenFill xmlns:a14="http://schemas.microsoft.com/office/drawing/2010/main" xmlns="">
                 <a:solidFill>
                   <a:srgbClr val="FFFFFF"/>
                 </a:solidFill>
@@ -4948,7 +7603,7 @@
           <a:blip r:embed="rId3" cstate="print">
             <a:extLst>
               <a:ext uri="{28A0092B-C50C-407E-A947-70E740481C1C}">
-                <a14:useLocalDpi xmlns:a14="http://schemas.microsoft.com/office/drawing/2010/main" val="0"/>
+                <a14:useLocalDpi xmlns:a14="http://schemas.microsoft.com/office/drawing/2010/main" xmlns="" val="0"/>
               </a:ext>
             </a:extLst>
           </a:blip>
@@ -4968,7 +7623,7 @@
           <a:noFill/>
           <a:extLst>
             <a:ext uri="{909E8E84-426E-40DD-AFC4-6F175D3DCCD1}">
-              <a14:hiddenFill xmlns:a14="http://schemas.microsoft.com/office/drawing/2010/main">
+              <a14:hiddenFill xmlns:a14="http://schemas.microsoft.com/office/drawing/2010/main" xmlns="">
                 <a:solidFill>
                   <a:srgbClr val="FFFFFF"/>
                 </a:solidFill>
@@ -4989,7 +7644,7 @@
           <a:blip r:embed="rId4" cstate="print">
             <a:extLst>
               <a:ext uri="{28A0092B-C50C-407E-A947-70E740481C1C}">
-                <a14:useLocalDpi xmlns:a14="http://schemas.microsoft.com/office/drawing/2010/main" val="0"/>
+                <a14:useLocalDpi xmlns:a14="http://schemas.microsoft.com/office/drawing/2010/main" xmlns="" val="0"/>
               </a:ext>
             </a:extLst>
           </a:blip>
@@ -5009,7 +7664,7 @@
           <a:noFill/>
           <a:extLst>
             <a:ext uri="{909E8E84-426E-40DD-AFC4-6F175D3DCCD1}">
-              <a14:hiddenFill xmlns:a14="http://schemas.microsoft.com/office/drawing/2010/main">
+              <a14:hiddenFill xmlns:a14="http://schemas.microsoft.com/office/drawing/2010/main" xmlns="">
                 <a:solidFill>
                   <a:srgbClr val="FFFFFF"/>
                 </a:solidFill>
@@ -5030,7 +7685,7 @@
           <a:blip r:embed="rId5" cstate="print">
             <a:extLst>
               <a:ext uri="{28A0092B-C50C-407E-A947-70E740481C1C}">
-                <a14:useLocalDpi xmlns:a14="http://schemas.microsoft.com/office/drawing/2010/main" val="0"/>
+                <a14:useLocalDpi xmlns:a14="http://schemas.microsoft.com/office/drawing/2010/main" xmlns="" val="0"/>
               </a:ext>
             </a:extLst>
           </a:blip>
@@ -5050,7 +7705,7 @@
           <a:noFill/>
           <a:extLst>
             <a:ext uri="{909E8E84-426E-40DD-AFC4-6F175D3DCCD1}">
-              <a14:hiddenFill xmlns:a14="http://schemas.microsoft.com/office/drawing/2010/main">
+              <a14:hiddenFill xmlns:a14="http://schemas.microsoft.com/office/drawing/2010/main" xmlns="">
                 <a:solidFill>
                   <a:srgbClr val="FFFFFF"/>
                 </a:solidFill>
@@ -5062,7 +7717,7 @@
     </p:spTree>
     <p:extLst>
       <p:ext uri="{BB962C8B-B14F-4D97-AF65-F5344CB8AC3E}">
-        <p14:creationId xmlns:p14="http://schemas.microsoft.com/office/powerpoint/2010/main" val="1960857500"/>
+        <p14:creationId xmlns:p14="http://schemas.microsoft.com/office/powerpoint/2010/main" xmlns="" val="1960857500"/>
       </p:ext>
     </p:extLst>
   </p:cSld>
@@ -5147,7 +7802,7 @@
           <p:nvPr>
             <p:extLst>
               <p:ext uri="{D42A27DB-BD31-4B8C-83A1-F6EECF244321}">
-                <p14:modId xmlns:p14="http://schemas.microsoft.com/office/powerpoint/2010/main" val="2751964971"/>
+                <p14:modId xmlns:p14="http://schemas.microsoft.com/office/powerpoint/2010/main" xmlns="" val="2751964971"/>
               </p:ext>
             </p:extLst>
           </p:nvPr>
@@ -5461,7 +8116,7 @@
     </p:spTree>
     <p:extLst>
       <p:ext uri="{BB962C8B-B14F-4D97-AF65-F5344CB8AC3E}">
-        <p14:creationId xmlns:p14="http://schemas.microsoft.com/office/powerpoint/2010/main" val="2279663410"/>
+        <p14:creationId xmlns:p14="http://schemas.microsoft.com/office/powerpoint/2010/main" xmlns="" val="2279663410"/>
       </p:ext>
     </p:extLst>
   </p:cSld>
@@ -5511,12 +8166,8 @@
           <a:lstStyle/>
           <a:p>
             <a:r>
-              <a:rPr lang="en-US" altLang="zh-TW" dirty="0" err="1"/>
-              <a:t>luin</a:t>
-            </a:r>
-            <a:r>
-              <a:rPr lang="en-US" altLang="zh-TW" dirty="0"/>
-              <a:t>/node-readability</a:t>
+              <a:rPr lang="en-US" altLang="zh-TW" smtClean="0"/>
+              <a:t>luin/node-readability</a:t>
             </a:r>
             <a:endParaRPr lang="zh-TW" altLang="en-US" dirty="0"/>
           </a:p>
@@ -5537,14 +8188,35 @@
           <a:bodyPr/>
           <a:lstStyle/>
           <a:p>
-            <a:endParaRPr lang="zh-TW" altLang="en-US" dirty="0"/>
+            <a:endParaRPr lang="en-US" altLang="zh-TW" smtClean="0"/>
+          </a:p>
+          <a:p>
+            <a:r>
+              <a:rPr lang="en-US" altLang="zh-TW" smtClean="0"/>
+              <a:t>Preprocess Document</a:t>
+            </a:r>
+          </a:p>
+          <a:p>
+            <a:r>
+              <a:rPr lang="en-US" altLang="zh-TW" smtClean="0"/>
+              <a:t>Extract Title</a:t>
+            </a:r>
+          </a:p>
+          <a:p>
+            <a:r>
+              <a:rPr lang="en-US" altLang="zh-TW" smtClean="0"/>
+              <a:t>Extract Content</a:t>
+            </a:r>
+          </a:p>
+          <a:p>
+            <a:endParaRPr lang="en-US" altLang="zh-TW" smtClean="0"/>
           </a:p>
         </p:txBody>
       </p:sp>
     </p:spTree>
     <p:extLst>
       <p:ext uri="{BB962C8B-B14F-4D97-AF65-F5344CB8AC3E}">
-        <p14:creationId xmlns:p14="http://schemas.microsoft.com/office/powerpoint/2010/main" val="2183794211"/>
+        <p14:creationId xmlns:p14="http://schemas.microsoft.com/office/powerpoint/2010/main" xmlns="" val="2183794211"/>
       </p:ext>
     </p:extLst>
   </p:cSld>
@@ -5558,6 +8230,471 @@
       </p:par>
     </p:tnLst>
   </p:timing>
+</p:sld>
+</file>
+
+<file path=ppt/slides/slide8.xml><?xml version="1.0" encoding="utf-8"?>
+<p:sld xmlns:a="http://schemas.openxmlformats.org/drawingml/2006/main" xmlns:r="http://schemas.openxmlformats.org/officeDocument/2006/relationships" xmlns:p="http://schemas.openxmlformats.org/presentationml/2006/main">
+  <p:cSld>
+    <p:spTree>
+      <p:nvGrpSpPr>
+        <p:cNvPr id="1" name=""/>
+        <p:cNvGrpSpPr/>
+        <p:nvPr/>
+      </p:nvGrpSpPr>
+      <p:grpSpPr>
+        <a:xfrm>
+          <a:off x="0" y="0"/>
+          <a:ext cx="0" cy="0"/>
+          <a:chOff x="0" y="0"/>
+          <a:chExt cx="0" cy="0"/>
+        </a:xfrm>
+      </p:grpSpPr>
+      <p:sp>
+        <p:nvSpPr>
+          <p:cNvPr id="2" name="標題 1"/>
+          <p:cNvSpPr>
+            <a:spLocks noGrp="1"/>
+          </p:cNvSpPr>
+          <p:nvPr>
+            <p:ph type="title"/>
+          </p:nvPr>
+        </p:nvSpPr>
+        <p:spPr/>
+        <p:txBody>
+          <a:bodyPr/>
+          <a:lstStyle/>
+          <a:p>
+            <a:r>
+              <a:rPr lang="en-US" altLang="zh-TW" smtClean="0"/>
+              <a:t>Preprocess </a:t>
+            </a:r>
+            <a:r>
+              <a:rPr lang="en-US" altLang="zh-TW" smtClean="0"/>
+              <a:t>Document</a:t>
+            </a:r>
+            <a:endParaRPr lang="zh-TW" altLang="en-US"/>
+          </a:p>
+        </p:txBody>
+      </p:sp>
+      <p:sp>
+        <p:nvSpPr>
+          <p:cNvPr id="3" name="內容版面配置區 2"/>
+          <p:cNvSpPr>
+            <a:spLocks noGrp="1"/>
+          </p:cNvSpPr>
+          <p:nvPr>
+            <p:ph idx="1"/>
+          </p:nvPr>
+        </p:nvSpPr>
+        <p:spPr/>
+        <p:txBody>
+          <a:bodyPr>
+            <a:normAutofit/>
+          </a:bodyPr>
+          <a:lstStyle/>
+          <a:p>
+            <a:pPr marL="457200" indent="-457200">
+              <a:buNone/>
+            </a:pPr>
+            <a:r>
+              <a:rPr lang="zh-TW" altLang="en-US" smtClean="0"/>
+              <a:t>●    先</a:t>
+            </a:r>
+            <a:r>
+              <a:rPr lang="zh-TW" altLang="en-US" smtClean="0"/>
+              <a:t>找所有的</a:t>
+            </a:r>
+            <a:r>
+              <a:rPr lang="en-US" altLang="zh-TW" smtClean="0"/>
+              <a:t>frame</a:t>
+            </a:r>
+            <a:r>
+              <a:rPr lang="zh-TW" altLang="en-US" smtClean="0"/>
+              <a:t>，並計算所有的</a:t>
+            </a:r>
+            <a:r>
+              <a:rPr lang="en-US" altLang="zh-TW" smtClean="0"/>
+              <a:t>Frame</a:t>
+            </a:r>
+            <a:r>
+              <a:rPr lang="zh-TW" altLang="en-US" smtClean="0"/>
+              <a:t>的</a:t>
+            </a:r>
+            <a:r>
+              <a:rPr lang="en-US" altLang="zh-TW" smtClean="0"/>
+              <a:t>Size</a:t>
+            </a:r>
+            <a:r>
+              <a:rPr lang="zh-TW" altLang="en-US" smtClean="0"/>
+              <a:t>，計算方式為 </a:t>
+            </a:r>
+            <a:r>
+              <a:rPr lang="en-US" altLang="zh-TW" smtClean="0"/>
+              <a:t>Witdh </a:t>
+            </a:r>
+            <a:r>
+              <a:rPr lang="en-US" altLang="zh-TW" smtClean="0"/>
+              <a:t>+ </a:t>
+            </a:r>
+            <a:r>
+              <a:rPr lang="en-US" altLang="zh-TW" smtClean="0"/>
+              <a:t>Hight</a:t>
+            </a:r>
+          </a:p>
+          <a:p>
+            <a:pPr marL="457200" indent="-457200"/>
+            <a:r>
+              <a:rPr lang="zh-TW" altLang="en-US" smtClean="0"/>
+              <a:t>並</a:t>
+            </a:r>
+            <a:r>
+              <a:rPr lang="zh-TW" altLang="en-US" smtClean="0"/>
+              <a:t>確認是否可以存取</a:t>
+            </a:r>
+            <a:r>
+              <a:rPr lang="zh-TW" altLang="en-US" smtClean="0"/>
+              <a:t>此</a:t>
+            </a:r>
+            <a:r>
+              <a:rPr lang="en-US" altLang="zh-TW" smtClean="0"/>
+              <a:t>Frame</a:t>
+            </a:r>
+          </a:p>
+          <a:p>
+            <a:pPr marL="457200" indent="-457200"/>
+            <a:r>
+              <a:rPr lang="zh-TW" altLang="en-US" smtClean="0"/>
+              <a:t>在</a:t>
+            </a:r>
+            <a:r>
+              <a:rPr lang="zh-TW" altLang="en-US" smtClean="0"/>
+              <a:t>所有的</a:t>
+            </a:r>
+            <a:r>
+              <a:rPr lang="en-US" altLang="zh-TW" smtClean="0"/>
+              <a:t>Frame</a:t>
+            </a:r>
+            <a:r>
+              <a:rPr lang="zh-TW" altLang="en-US" smtClean="0"/>
+              <a:t>中找出</a:t>
+            </a:r>
+            <a:r>
+              <a:rPr lang="en-US" altLang="zh-TW" smtClean="0"/>
+              <a:t>Size</a:t>
+            </a:r>
+            <a:r>
+              <a:rPr lang="zh-TW" altLang="en-US" smtClean="0"/>
+              <a:t>最大的加入到待會的</a:t>
+            </a:r>
+            <a:r>
+              <a:rPr lang="en-US" altLang="zh-TW" smtClean="0"/>
+              <a:t>body</a:t>
+            </a:r>
+            <a:r>
+              <a:rPr lang="zh-TW" altLang="en-US" smtClean="0"/>
+              <a:t>計算中</a:t>
+            </a:r>
+            <a:endParaRPr lang="zh-TW" altLang="en-US" smtClean="0"/>
+          </a:p>
+          <a:p>
+            <a:pPr marL="457200" indent="-457200"/>
+            <a:endParaRPr lang="en-US" altLang="zh-TW" smtClean="0"/>
+          </a:p>
+          <a:p>
+            <a:pPr marL="457200" indent="-457200">
+              <a:buNone/>
+            </a:pPr>
+            <a:r>
+              <a:rPr lang="zh-TW" altLang="en-US" smtClean="0"/>
+              <a:t>●</a:t>
+            </a:r>
+            <a:r>
+              <a:rPr lang="en-US" altLang="zh-TW" smtClean="0"/>
+              <a:t>	</a:t>
+            </a:r>
+            <a:r>
+              <a:rPr lang="zh-TW" altLang="en-US" smtClean="0"/>
+              <a:t>刪除</a:t>
+            </a:r>
+            <a:r>
+              <a:rPr lang="zh-TW" altLang="en-US" smtClean="0"/>
+              <a:t>所有的</a:t>
+            </a:r>
+            <a:r>
+              <a:rPr lang="en-US" altLang="zh-TW" smtClean="0"/>
+              <a:t>script</a:t>
+            </a:r>
+            <a:r>
+              <a:rPr lang="en-US" altLang="zh-TW" smtClean="0"/>
+              <a:t>, </a:t>
+            </a:r>
+            <a:r>
+              <a:rPr lang="en-US" altLang="zh-TW" smtClean="0"/>
+              <a:t>css</a:t>
+            </a:r>
+          </a:p>
+          <a:p>
+            <a:pPr marL="457200" indent="-457200"/>
+            <a:endParaRPr lang="en-US" altLang="zh-TW" smtClean="0"/>
+          </a:p>
+          <a:p>
+            <a:pPr marL="457200" indent="-457200">
+              <a:buNone/>
+            </a:pPr>
+            <a:r>
+              <a:rPr lang="zh-TW" altLang="en-US" smtClean="0"/>
+              <a:t>●</a:t>
+            </a:r>
+            <a:r>
+              <a:rPr lang="en-US" altLang="zh-TW" smtClean="0"/>
+              <a:t>	</a:t>
+            </a:r>
+            <a:r>
+              <a:rPr lang="zh-TW" altLang="en-US" smtClean="0"/>
+              <a:t>將</a:t>
+            </a:r>
+            <a:r>
+              <a:rPr lang="zh-TW" altLang="en-US" smtClean="0"/>
+              <a:t>所有</a:t>
+            </a:r>
+            <a:r>
+              <a:rPr lang="zh-TW" altLang="en-US" smtClean="0"/>
+              <a:t>的空行換成</a:t>
+            </a:r>
+            <a:r>
+              <a:rPr lang="en-US" altLang="zh-TW" smtClean="0"/>
+              <a:t>&lt;/p&gt;&lt;p&gt;, &lt;font&gt;</a:t>
+            </a:r>
+            <a:r>
+              <a:rPr lang="zh-TW" altLang="en-US" smtClean="0"/>
+              <a:t>置換成</a:t>
+            </a:r>
+            <a:r>
+              <a:rPr lang="en-US" altLang="zh-TW" smtClean="0"/>
+              <a:t>&lt;span&gt;</a:t>
+            </a:r>
+          </a:p>
+          <a:p>
+            <a:pPr marL="457200" indent="-457200"/>
+            <a:r>
+              <a:rPr lang="en-US" altLang="zh-TW" smtClean="0"/>
+              <a:t>Replace(“&lt;</a:t>
+            </a:r>
+            <a:r>
+              <a:rPr lang="en-US" altLang="zh-TW" smtClean="0"/>
+              <a:t>br[^&gt;]*&gt;[ \n\r\t]*){</a:t>
+            </a:r>
+            <a:r>
+              <a:rPr lang="en-US" altLang="zh-TW" smtClean="0"/>
+              <a:t>2</a:t>
+            </a:r>
+            <a:r>
+              <a:rPr lang="en-US" altLang="zh-TW" smtClean="0"/>
+              <a:t>,}”,"&lt;</a:t>
+            </a:r>
+            <a:r>
+              <a:rPr lang="en-US" altLang="zh-TW" smtClean="0"/>
+              <a:t>p&gt;&lt;/</a:t>
+            </a:r>
+            <a:r>
+              <a:rPr lang="en-US" altLang="zh-TW" smtClean="0"/>
+              <a:t>p</a:t>
+            </a:r>
+            <a:r>
+              <a:rPr lang="en-US" altLang="zh-TW" smtClean="0"/>
+              <a:t>&gt;“)</a:t>
+            </a:r>
+          </a:p>
+          <a:p>
+            <a:pPr marL="457200" indent="-457200"/>
+            <a:r>
+              <a:rPr lang="en-US" altLang="zh-TW" smtClean="0"/>
+              <a:t>Replace(“&lt;(\/?)</a:t>
+            </a:r>
+            <a:r>
+              <a:rPr lang="en-US" altLang="zh-TW" smtClean="0"/>
+              <a:t>font</a:t>
+            </a:r>
+            <a:r>
+              <a:rPr lang="en-US" altLang="zh-TW" smtClean="0"/>
+              <a:t>[^&gt;]*&gt;”, ”&lt;$</a:t>
+            </a:r>
+            <a:r>
+              <a:rPr lang="en-US" altLang="zh-TW" smtClean="0"/>
+              <a:t>1span</a:t>
+            </a:r>
+            <a:r>
+              <a:rPr lang="en-US" altLang="zh-TW" smtClean="0"/>
+              <a:t>&gt;”)</a:t>
+            </a:r>
+            <a:endParaRPr lang="zh-TW" altLang="en-US"/>
+          </a:p>
+        </p:txBody>
+      </p:sp>
+    </p:spTree>
+  </p:cSld>
+  <p:clrMapOvr>
+    <a:masterClrMapping/>
+  </p:clrMapOvr>
+</p:sld>
+</file>
+
+<file path=ppt/slides/slide9.xml><?xml version="1.0" encoding="utf-8"?>
+<p:sld xmlns:a="http://schemas.openxmlformats.org/drawingml/2006/main" xmlns:r="http://schemas.openxmlformats.org/officeDocument/2006/relationships" xmlns:p="http://schemas.openxmlformats.org/presentationml/2006/main">
+  <p:cSld>
+    <p:spTree>
+      <p:nvGrpSpPr>
+        <p:cNvPr id="1" name=""/>
+        <p:cNvGrpSpPr/>
+        <p:nvPr/>
+      </p:nvGrpSpPr>
+      <p:grpSpPr>
+        <a:xfrm>
+          <a:off x="0" y="0"/>
+          <a:ext cx="0" cy="0"/>
+          <a:chOff x="0" y="0"/>
+          <a:chExt cx="0" cy="0"/>
+        </a:xfrm>
+      </p:grpSpPr>
+      <p:sp>
+        <p:nvSpPr>
+          <p:cNvPr id="2" name="標題 1"/>
+          <p:cNvSpPr>
+            <a:spLocks noGrp="1"/>
+          </p:cNvSpPr>
+          <p:nvPr>
+            <p:ph type="title"/>
+          </p:nvPr>
+        </p:nvSpPr>
+        <p:spPr/>
+        <p:txBody>
+          <a:bodyPr/>
+          <a:lstStyle/>
+          <a:p>
+            <a:r>
+              <a:rPr lang="en-US" altLang="zh-TW" smtClean="0"/>
+              <a:t>Extract </a:t>
+            </a:r>
+            <a:r>
+              <a:rPr lang="en-US" altLang="zh-TW" smtClean="0"/>
+              <a:t>Title</a:t>
+            </a:r>
+            <a:endParaRPr lang="zh-TW" altLang="en-US"/>
+          </a:p>
+        </p:txBody>
+      </p:sp>
+      <p:sp>
+        <p:nvSpPr>
+          <p:cNvPr id="3" name="內容版面配置區 2"/>
+          <p:cNvSpPr>
+            <a:spLocks noGrp="1"/>
+          </p:cNvSpPr>
+          <p:nvPr>
+            <p:ph idx="1"/>
+          </p:nvPr>
+        </p:nvSpPr>
+        <p:spPr/>
+        <p:txBody>
+          <a:bodyPr/>
+          <a:lstStyle/>
+          <a:p>
+            <a:endParaRPr lang="en-US" altLang="zh-TW" smtClean="0"/>
+          </a:p>
+          <a:p>
+            <a:r>
+              <a:rPr lang="zh-TW" altLang="en-US" smtClean="0"/>
+              <a:t>利用</a:t>
+            </a:r>
+            <a:r>
+              <a:rPr lang="en-US" altLang="zh-TW" smtClean="0"/>
+              <a:t>[' | ', ' _ ', ' - ', '«', '»', '—']</a:t>
+            </a:r>
+            <a:r>
+              <a:rPr lang="zh-TW" altLang="en-US" smtClean="0"/>
+              <a:t>，個別去對</a:t>
+            </a:r>
+            <a:r>
+              <a:rPr lang="en-US" altLang="zh-TW" smtClean="0"/>
+              <a:t>title split</a:t>
+            </a:r>
+          </a:p>
+          <a:p>
+            <a:r>
+              <a:rPr lang="zh-TW" altLang="en-US" smtClean="0"/>
+              <a:t>如果</a:t>
+            </a:r>
+            <a:r>
+              <a:rPr lang="zh-TW" altLang="en-US" smtClean="0"/>
+              <a:t>能</a:t>
+            </a:r>
+            <a:r>
+              <a:rPr lang="en-US" altLang="zh-TW" smtClean="0"/>
+              <a:t>split</a:t>
+            </a:r>
+            <a:r>
+              <a:rPr lang="zh-TW" altLang="en-US" smtClean="0"/>
+              <a:t>出來，則將最前面的</a:t>
+            </a:r>
+            <a:r>
+              <a:rPr lang="en-US" altLang="zh-TW" smtClean="0"/>
+              <a:t>string</a:t>
+            </a:r>
+            <a:r>
+              <a:rPr lang="zh-TW" altLang="en-US" smtClean="0"/>
+              <a:t>紀錄下來，則此就是最好的</a:t>
+            </a:r>
+            <a:r>
+              <a:rPr lang="en-US" altLang="zh-TW" smtClean="0"/>
+              <a:t>title</a:t>
+            </a:r>
+          </a:p>
+          <a:p>
+            <a:r>
+              <a:rPr lang="zh-TW" altLang="en-US" smtClean="0"/>
+              <a:t>如果</a:t>
+            </a:r>
+            <a:r>
+              <a:rPr lang="zh-TW" altLang="en-US" smtClean="0"/>
+              <a:t>完全</a:t>
+            </a:r>
+            <a:r>
+              <a:rPr lang="zh-TW" altLang="en-US" smtClean="0"/>
+              <a:t>不能</a:t>
+            </a:r>
+            <a:r>
+              <a:rPr lang="en-US" altLang="zh-TW" smtClean="0"/>
+              <a:t>split</a:t>
+            </a:r>
+            <a:r>
+              <a:rPr lang="zh-TW" altLang="en-US" smtClean="0"/>
+              <a:t>，</a:t>
+            </a:r>
+            <a:r>
+              <a:rPr lang="zh-TW" altLang="en-US" smtClean="0"/>
+              <a:t>則原本的</a:t>
+            </a:r>
+            <a:r>
+              <a:rPr lang="en-US" altLang="zh-TW" smtClean="0"/>
+              <a:t>title</a:t>
+            </a:r>
+            <a:r>
+              <a:rPr lang="zh-TW" altLang="en-US" smtClean="0"/>
+              <a:t>則是最好的</a:t>
+            </a:r>
+            <a:r>
+              <a:rPr lang="en-US" altLang="zh-TW" smtClean="0"/>
+              <a:t>title</a:t>
+            </a:r>
+            <a:endParaRPr lang="zh-TW" altLang="en-US"/>
+          </a:p>
+        </p:txBody>
+      </p:sp>
+    </p:spTree>
+  </p:cSld>
+  <p:clrMapOvr>
+    <a:masterClrMapping/>
+  </p:clrMapOvr>
 </p:sld>
 </file>
 
@@ -5604,7 +8741,7 @@
     </a:clrScheme>
     <a:fontScheme name="回顧">
       <a:majorFont>
-        <a:latin typeface="Calibri Light" panose="020F0302020204030204"/>
+        <a:latin typeface="Calibri Light"/>
         <a:ea typeface=""/>
         <a:cs typeface=""/>
         <a:font script="Jpan" typeface="ＭＳ Ｐゴシック"/>
@@ -5639,7 +8776,7 @@
         <a:font script="Geor" typeface="Sylfaen"/>
       </a:majorFont>
       <a:minorFont>
-        <a:latin typeface="Calibri" panose="020F0502020204030204"/>
+        <a:latin typeface="Calibri"/>
         <a:ea typeface=""/>
         <a:cs typeface=""/>
         <a:font script="Jpan" typeface="ＭＳ Ｐゴシック"/>
@@ -5838,7 +8975,7 @@
   <a:extraClrSchemeLst/>
   <a:extLst>
     <a:ext uri="{05A4C25C-085E-4340-85A3-A5531E510DB2}">
-      <thm15:themeFamily xmlns:thm15="http://schemas.microsoft.com/office/thememl/2012/main" name="Retrospect" id="{5F128B03-DCCA-4EEB-AB3B-CF2899314A46}" vid="{3F1AAB62-24C6-49D2-8E01-B56FAC9A3DCD}"/>
+      <thm15:themeFamily xmlns:thm15="http://schemas.microsoft.com/office/thememl/2012/main" xmlns="" name="Retrospect" id="{5F128B03-DCCA-4EEB-AB3B-CF2899314A46}" vid="{3F1AAB62-24C6-49D2-8E01-B56FAC9A3DCD}"/>
     </a:ext>
   </a:extLst>
 </a:theme>
@@ -5887,7 +9024,7 @@
     </a:clrScheme>
     <a:fontScheme name="Office">
       <a:majorFont>
-        <a:latin typeface="Calibri Light" panose="020F0302020204030204"/>
+        <a:latin typeface="Calibri Light"/>
         <a:ea typeface=""/>
         <a:cs typeface=""/>
         <a:font script="Jpan" typeface="ＭＳ Ｐゴシック"/>
@@ -5922,7 +9059,7 @@
         <a:font script="Geor" typeface="Sylfaen"/>
       </a:majorFont>
       <a:minorFont>
-        <a:latin typeface="Calibri" panose="020F0502020204030204"/>
+        <a:latin typeface="Calibri"/>
         <a:ea typeface=""/>
         <a:cs typeface=""/>
         <a:font script="Jpan" typeface="ＭＳ Ｐゴシック"/>
@@ -6099,7 +9236,7 @@
   <a:extraClrSchemeLst/>
   <a:extLst>
     <a:ext uri="{05A4C25C-085E-4340-85A3-A5531E510DB2}">
-      <thm15:themeFamily xmlns:thm15="http://schemas.microsoft.com/office/thememl/2012/main" name="Office Theme" id="{62F939B6-93AF-4DB8-9C6B-D6C7DFDC589F}" vid="{4A3C46E8-61CC-4603-A589-7422A47A8E4A}"/>
+      <thm15:themeFamily xmlns:thm15="http://schemas.microsoft.com/office/thememl/2012/main" xmlns="" name="Office Theme" id="{62F939B6-93AF-4DB8-9C6B-D6C7DFDC589F}" vid="{4A3C46E8-61CC-4603-A589-7422A47A8E4A}"/>
     </a:ext>
   </a:extLst>
 </a:theme>
